--- a/Background Information/Health_Expenditures.pptx
+++ b/Background Information/Health_Expenditures.pptx
@@ -111,6 +111,11 @@
       </a:defRPr>
     </a:lvl9pPr>
   </p:defaultTextStyle>
+  <p:extLst>
+    <p:ext uri="{EFAFB233-063F-42B5-8137-9DF3F51BA10A}">
+      <p15:sldGuideLst xmlns:p15="http://schemas.microsoft.com/office/powerpoint/2012/main"/>
+    </p:ext>
+  </p:extLst>
 </p:presentation>
 </file>
 
@@ -3950,7 +3955,7 @@
                   <a:schemeClr val="bg1"/>
                 </a:solidFill>
               </a:rPr>
-              <a:t>Design, Data, Delivery Overview</a:t>
+              <a:t>data, Design, Delivery Overview</a:t>
             </a:r>
           </a:p>
         </p:txBody>
@@ -5793,7 +5798,7 @@
             </a:r>
             <a:r>
               <a:rPr lang="en-US" sz="2400" dirty="0"/>
-              <a:t> – Uses python code to connect to PostgresQL</a:t>
+              <a:t> – Uses python code to connect to PostgresQL.</a:t>
             </a:r>
           </a:p>
           <a:p>
@@ -5897,7 +5902,9 @@
           </a:xfrm>
         </p:spPr>
         <p:txBody>
-          <a:bodyPr/>
+          <a:bodyPr>
+            <a:normAutofit/>
+          </a:bodyPr>
           <a:lstStyle/>
           <a:p>
             <a:pPr marL="0" indent="0" algn="ctr">
@@ -5916,7 +5923,7 @@
             </a:r>
             <a:r>
               <a:rPr lang="en-US" dirty="0"/>
-              <a:t>, Pandas and Flask showing visualizations that represent our analysis topics:</a:t>
+              <a:t>, Pandas and Flask showing visualizations that represent our analysis topics.</a:t>
             </a:r>
           </a:p>
           <a:p>
@@ -5926,7 +5933,12 @@
               </a:lnSpc>
               <a:buNone/>
             </a:pPr>
-            <a:endParaRPr lang="en-US" dirty="0"/>
+            <a:endParaRPr lang="en-US" sz="1200" kern="100" dirty="0">
+              <a:effectLst/>
+              <a:latin typeface="Calibri" panose="020F0502020204030204" pitchFamily="34" charset="0"/>
+              <a:ea typeface="Calibri" panose="020F0502020204030204" pitchFamily="34" charset="0"/>
+              <a:cs typeface="Times New Roman" panose="02020603050405020304" pitchFamily="18" charset="0"/>
+            </a:endParaRPr>
           </a:p>
           <a:p>
             <a:pPr marL="0" indent="0" algn="ctr">
@@ -5936,49 +5948,54 @@
               <a:buNone/>
             </a:pPr>
             <a:r>
-              <a:rPr lang="en-US" dirty="0" err="1"/>
-              <a:t>Heathcare</a:t>
-            </a:r>
-            <a:r>
-              <a:rPr lang="en-US" dirty="0"/>
-              <a:t> comparison of: Medicare, Medicaid, and Private Health Insurance spending</a:t>
-            </a:r>
+              <a:rPr lang="en-US" sz="2400" kern="100" dirty="0">
+                <a:effectLst/>
+                <a:latin typeface="Calibri" panose="020F0502020204030204" pitchFamily="34" charset="0"/>
+                <a:ea typeface="Calibri" panose="020F0502020204030204" pitchFamily="34" charset="0"/>
+                <a:cs typeface="Times New Roman" panose="02020603050405020304" pitchFamily="18" charset="0"/>
+              </a:rPr>
+              <a:t>Overview: </a:t>
+            </a:r>
+            <a:br>
+              <a:rPr lang="en-US" sz="1800" kern="100" dirty="0">
+                <a:effectLst/>
+                <a:latin typeface="Calibri" panose="020F0502020204030204" pitchFamily="34" charset="0"/>
+                <a:ea typeface="Calibri" panose="020F0502020204030204" pitchFamily="34" charset="0"/>
+                <a:cs typeface="Times New Roman" panose="02020603050405020304" pitchFamily="18" charset="0"/>
+              </a:rPr>
+            </a:br>
+            <a:endParaRPr lang="en-US" sz="1800" kern="100" dirty="0">
+              <a:effectLst/>
+              <a:latin typeface="Calibri" panose="020F0502020204030204" pitchFamily="34" charset="0"/>
+              <a:ea typeface="Calibri" panose="020F0502020204030204" pitchFamily="34" charset="0"/>
+              <a:cs typeface="Times New Roman" panose="02020603050405020304" pitchFamily="18" charset="0"/>
+            </a:endParaRPr>
           </a:p>
           <a:p>
             <a:pPr marL="0" indent="0" algn="ctr">
+              <a:lnSpc>
+                <a:spcPct val="100000"/>
+              </a:lnSpc>
               <a:buNone/>
             </a:pPr>
             <a:r>
-              <a:rPr lang="en-US" dirty="0"/>
-              <a:t>Regional per capita spending</a:t>
+              <a:rPr lang="en-US" kern="100" dirty="0">
+                <a:effectLst/>
+                <a:latin typeface="Calibri" panose="020F0502020204030204" pitchFamily="34" charset="0"/>
+                <a:ea typeface="Calibri" panose="020F0502020204030204" pitchFamily="34" charset="0"/>
+                <a:cs typeface="Times New Roman" panose="02020603050405020304" pitchFamily="18" charset="0"/>
+              </a:rPr>
+              <a:t>Group 3 will be using data sets from the US Centers for Medicare and Medicaid Services and the St. Louis Fred and will look at healthcare consumption by state investigating the correlation between private healthcare usage, income, and region. We will also be taking a deeper dive into healthcare usage to include patient usage of physicians, clinics, and hospitals. State consumption rates can also vary based on time frame and will examine this correlation by investigating two different decades; 2020-2010 and 2010-2020.</a:t>
             </a:r>
           </a:p>
           <a:p>
             <a:pPr marL="0" indent="0" algn="ctr">
+              <a:lnSpc>
+                <a:spcPct val="100000"/>
+              </a:lnSpc>
               <a:buNone/>
             </a:pPr>
-            <a:r>
-              <a:rPr lang="en-US" dirty="0"/>
-              <a:t>US overall spending</a:t>
-            </a:r>
-          </a:p>
-          <a:p>
-            <a:pPr marL="0" indent="0" algn="ctr">
-              <a:buNone/>
-            </a:pPr>
-            <a:r>
-              <a:rPr lang="en-US" dirty="0"/>
-              <a:t>Hospital Services, and Physician Clinic Services spending</a:t>
-            </a:r>
-          </a:p>
-          <a:p>
-            <a:pPr marL="0" indent="0" algn="ctr">
-              <a:buNone/>
-            </a:pPr>
-            <a:r>
-              <a:rPr lang="en-US" dirty="0"/>
-              <a:t>State spending per capita</a:t>
-            </a:r>
+            <a:endParaRPr lang="en-US" dirty="0"/>
           </a:p>
         </p:txBody>
       </p:sp>

--- a/Background Information/Health_Expenditures.pptx
+++ b/Background Information/Health_Expenditures.pptx
@@ -13,6 +13,7 @@
     <p:sldId id="261" r:id="rId7"/>
     <p:sldId id="262" r:id="rId8"/>
     <p:sldId id="263" r:id="rId9"/>
+    <p:sldId id="264" r:id="rId10"/>
   </p:sldIdLst>
   <p:sldSz cx="12192000" cy="6858000"/>
   <p:notesSz cx="6858000" cy="9144000"/>
@@ -277,7 +278,7 @@
           <a:p>
             <a:fld id="{655A5808-3B61-48CC-92EF-85AC2E0DFA56}" type="datetime2">
               <a:rPr lang="en-US" smtClean="0"/>
-              <a:t>Monday, June 10, 2024</a:t>
+              <a:t>Tuesday, June 11, 2024</a:t>
             </a:fld>
             <a:endParaRPr lang="en-US"/>
           </a:p>
@@ -475,7 +476,7 @@
           <a:p>
             <a:fld id="{735E98AF-4574-4509-BF7A-519ACD5BF826}" type="datetime2">
               <a:rPr lang="en-US" smtClean="0"/>
-              <a:t>Monday, June 10, 2024</a:t>
+              <a:t>Tuesday, June 11, 2024</a:t>
             </a:fld>
             <a:endParaRPr lang="en-US"/>
           </a:p>
@@ -685,7 +686,7 @@
           <a:p>
             <a:fld id="{93DD97D4-9636-490F-85D0-E926C2B6F3B1}" type="datetime2">
               <a:rPr lang="en-US" smtClean="0"/>
-              <a:t>Monday, June 10, 2024</a:t>
+              <a:t>Tuesday, June 11, 2024</a:t>
             </a:fld>
             <a:endParaRPr lang="en-US"/>
           </a:p>
@@ -884,7 +885,7 @@
           <a:p>
             <a:fld id="{2F3AF3C6-0FD4-4939-991C-00DDE5C56815}" type="datetime2">
               <a:rPr lang="en-US" smtClean="0"/>
-              <a:t>Monday, June 10, 2024</a:t>
+              <a:t>Tuesday, June 11, 2024</a:t>
             </a:fld>
             <a:endParaRPr lang="en-US"/>
           </a:p>
@@ -1165,7 +1166,7 @@
           <a:p>
             <a:fld id="{86807482-8128-47C6-A8DD-6452B0291CFF}" type="datetime2">
               <a:rPr lang="en-US" smtClean="0"/>
-              <a:t>Monday, June 10, 2024</a:t>
+              <a:t>Tuesday, June 11, 2024</a:t>
             </a:fld>
             <a:endParaRPr lang="en-US"/>
           </a:p>
@@ -1433,7 +1434,7 @@
           <a:p>
             <a:fld id="{37903F25-275E-41DE-BE3B-EBF0DB49F9B1}" type="datetime2">
               <a:rPr lang="en-US" smtClean="0"/>
-              <a:t>Monday, June 10, 2024</a:t>
+              <a:t>Tuesday, June 11, 2024</a:t>
             </a:fld>
             <a:endParaRPr lang="en-US"/>
           </a:p>
@@ -1814,7 +1815,7 @@
           <a:p>
             <a:fld id="{EE475572-4A44-4171-84AA-64D42C8050A6}" type="datetime2">
               <a:rPr lang="en-US" smtClean="0"/>
-              <a:t>Monday, June 10, 2024</a:t>
+              <a:t>Tuesday, June 11, 2024</a:t>
             </a:fld>
             <a:endParaRPr lang="en-US"/>
           </a:p>
@@ -1984,7 +1985,7 @@
           <a:p>
             <a:fld id="{C4C1612E-528E-4FD5-9E9E-E15F1108F171}" type="datetime2">
               <a:rPr lang="en-US" smtClean="0"/>
-              <a:t>Monday, June 10, 2024</a:t>
+              <a:t>Tuesday, June 11, 2024</a:t>
             </a:fld>
             <a:endParaRPr lang="en-US"/>
           </a:p>
@@ -2097,7 +2098,7 @@
           <a:p>
             <a:fld id="{D4F6D862-A06D-436F-A92E-EBAAD50B6E50}" type="datetime2">
               <a:rPr lang="en-US" smtClean="0"/>
-              <a:t>Monday, June 10, 2024</a:t>
+              <a:t>Tuesday, June 11, 2024</a:t>
             </a:fld>
             <a:endParaRPr lang="en-US"/>
           </a:p>
@@ -2414,7 +2415,7 @@
           <a:p>
             <a:fld id="{B73E0B7D-2260-4809-8F0A-9E5F3E24F169}" type="datetime2">
               <a:rPr lang="en-US" smtClean="0"/>
-              <a:t>Monday, June 10, 2024</a:t>
+              <a:t>Tuesday, June 11, 2024</a:t>
             </a:fld>
             <a:endParaRPr lang="en-US"/>
           </a:p>
@@ -2706,7 +2707,7 @@
           <a:p>
             <a:fld id="{3C8E4735-C637-46A3-94EB-AB3AC4188D2F}" type="datetime2">
               <a:rPr lang="en-US" smtClean="0"/>
-              <a:t>Monday, June 10, 2024</a:t>
+              <a:t>Tuesday, June 11, 2024</a:t>
             </a:fld>
             <a:endParaRPr lang="en-US"/>
           </a:p>
@@ -3074,7 +3075,7 @@
             <a:fld id="{AE0C963C-C1DB-4AFD-9DDC-0691666BF49B}" type="datetime2">
               <a:rPr lang="en-US" smtClean="0"/>
               <a:pPr/>
-              <a:t>Monday, June 10, 2024</a:t>
+              <a:t>Tuesday, June 11, 2024</a:t>
             </a:fld>
             <a:endParaRPr lang="en-US" cap="all" dirty="0"/>
           </a:p>
@@ -6012,6 +6013,186 @@
 </p:sld>
 </file>
 
+<file path=ppt/slides/slide9.xml><?xml version="1.0" encoding="utf-8"?>
+<p:sld xmlns:a="http://schemas.openxmlformats.org/drawingml/2006/main" xmlns:r="http://schemas.openxmlformats.org/officeDocument/2006/relationships" xmlns:p="http://schemas.openxmlformats.org/presentationml/2006/main">
+  <p:cSld>
+    <p:bg>
+      <p:bgPr>
+        <a:solidFill>
+          <a:schemeClr val="bg1"/>
+        </a:solidFill>
+        <a:effectLst/>
+      </p:bgPr>
+    </p:bg>
+    <p:spTree>
+      <p:nvGrpSpPr>
+        <p:cNvPr id="1" name=""/>
+        <p:cNvGrpSpPr/>
+        <p:nvPr/>
+      </p:nvGrpSpPr>
+      <p:grpSpPr>
+        <a:xfrm>
+          <a:off x="0" y="0"/>
+          <a:ext cx="0" cy="0"/>
+          <a:chOff x="0" y="0"/>
+          <a:chExt cx="0" cy="0"/>
+        </a:xfrm>
+      </p:grpSpPr>
+      <p:sp>
+        <p:nvSpPr>
+          <p:cNvPr id="2" name="Title 1">
+            <a:extLst>
+              <a:ext uri="{FF2B5EF4-FFF2-40B4-BE49-F238E27FC236}">
+                <a16:creationId xmlns:a16="http://schemas.microsoft.com/office/drawing/2014/main" id="{C0DD6619-4B00-79CB-7A56-7C73338E4734}"/>
+              </a:ext>
+            </a:extLst>
+          </p:cNvPr>
+          <p:cNvSpPr>
+            <a:spLocks noGrp="1"/>
+          </p:cNvSpPr>
+          <p:nvPr>
+            <p:ph type="title"/>
+          </p:nvPr>
+        </p:nvSpPr>
+        <p:spPr>
+          <a:xfrm>
+            <a:off x="568280" y="4717774"/>
+            <a:ext cx="6676086" cy="1372775"/>
+          </a:xfrm>
+        </p:spPr>
+        <p:txBody>
+          <a:bodyPr anchor="b">
+            <a:normAutofit/>
+          </a:bodyPr>
+          <a:lstStyle/>
+          <a:p>
+            <a:endParaRPr lang="en-US" dirty="0">
+              <a:solidFill>
+                <a:srgbClr val="FFFFFF"/>
+              </a:solidFill>
+            </a:endParaRPr>
+          </a:p>
+        </p:txBody>
+      </p:sp>
+      <p:sp>
+        <p:nvSpPr>
+          <p:cNvPr id="9" name="Content Placeholder 8">
+            <a:extLst>
+              <a:ext uri="{FF2B5EF4-FFF2-40B4-BE49-F238E27FC236}">
+                <a16:creationId xmlns:a16="http://schemas.microsoft.com/office/drawing/2014/main" id="{FE441EE8-3744-D417-DA68-EB658AF5E08C}"/>
+              </a:ext>
+            </a:extLst>
+          </p:cNvPr>
+          <p:cNvSpPr>
+            <a:spLocks noGrp="1"/>
+          </p:cNvSpPr>
+          <p:nvPr>
+            <p:ph idx="1"/>
+          </p:nvPr>
+        </p:nvSpPr>
+        <p:spPr>
+          <a:xfrm>
+            <a:off x="10300289" y="333586"/>
+            <a:ext cx="2048540" cy="5742008"/>
+          </a:xfrm>
+        </p:spPr>
+        <p:txBody>
+          <a:bodyPr>
+            <a:normAutofit/>
+          </a:bodyPr>
+          <a:lstStyle/>
+          <a:p>
+            <a:endParaRPr lang="en-US" dirty="0"/>
+          </a:p>
+        </p:txBody>
+      </p:sp>
+      <p:pic>
+        <p:nvPicPr>
+          <p:cNvPr id="4" name="Camera 3">
+            <a:extLst>
+              <a:ext uri="{FF2B5EF4-FFF2-40B4-BE49-F238E27FC236}">
+                <a16:creationId xmlns:a16="http://schemas.microsoft.com/office/drawing/2014/main" id="{AA5A0ED0-9DD6-A71F-4C25-7B256D52A6BC}"/>
+              </a:ext>
+            </a:extLst>
+          </p:cNvPr>
+          <p:cNvPicPr>
+            <a:picLocks noChangeAspect="1"/>
+            <a:extLst>
+              <a:ext uri="{51228E76-BA90-4043-B771-695A4F85340A}">
+                <alf:liveFeedProps xmlns:alf="http://schemas.microsoft.com/office/drawing/2021/livefeed"/>
+              </a:ext>
+            </a:extLst>
+          </p:cNvPicPr>
+          <p:nvPr/>
+        </p:nvPicPr>
+        <p:blipFill rotWithShape="1">
+          <a:blip r:embed="rId2">
+            <a:extLst>
+              <a:ext uri="{96DAC541-7B7A-43D3-8B79-37D633B846F1}">
+                <asvg:svgBlip xmlns:asvg="http://schemas.microsoft.com/office/drawing/2016/SVG/main" r:embed="rId3"/>
+              </a:ext>
+            </a:extLst>
+          </a:blip>
+          <a:srcRect/>
+          <a:stretch/>
+        </p:blipFill>
+        <p:spPr>
+          <a:xfrm>
+            <a:off x="9992868" y="484632"/>
+            <a:ext cx="1714500" cy="1714500"/>
+          </a:xfrm>
+          <a:prstGeom prst="ellipse">
+            <a:avLst/>
+          </a:prstGeom>
+          <a:ln w="19050" cap="rnd">
+            <a:noFill/>
+          </a:ln>
+          <a:effectLst/>
+        </p:spPr>
+      </p:pic>
+      <p:pic>
+        <p:nvPicPr>
+          <p:cNvPr id="12" name="Picture 11">
+            <a:extLst>
+              <a:ext uri="{FF2B5EF4-FFF2-40B4-BE49-F238E27FC236}">
+                <a16:creationId xmlns:a16="http://schemas.microsoft.com/office/drawing/2014/main" id="{21BA3476-A638-5B09-1CD3-259C8A21B202}"/>
+              </a:ext>
+            </a:extLst>
+          </p:cNvPr>
+          <p:cNvPicPr>
+            <a:picLocks noChangeAspect="1"/>
+          </p:cNvPicPr>
+          <p:nvPr/>
+        </p:nvPicPr>
+        <p:blipFill>
+          <a:blip r:embed="rId4"/>
+          <a:stretch>
+            <a:fillRect/>
+          </a:stretch>
+        </p:blipFill>
+        <p:spPr>
+          <a:xfrm>
+            <a:off x="461176" y="304364"/>
+            <a:ext cx="11269648" cy="6249272"/>
+          </a:xfrm>
+          <a:prstGeom prst="rect">
+            <a:avLst/>
+          </a:prstGeom>
+        </p:spPr>
+      </p:pic>
+    </p:spTree>
+    <p:extLst>
+      <p:ext uri="{BB962C8B-B14F-4D97-AF65-F5344CB8AC3E}">
+        <p14:creationId xmlns:p14="http://schemas.microsoft.com/office/powerpoint/2010/main" val="760509499"/>
+      </p:ext>
+    </p:extLst>
+  </p:cSld>
+  <p:clrMapOvr>
+    <a:masterClrMapping/>
+  </p:clrMapOvr>
+</p:sld>
+</file>
+
 <file path=ppt/theme/theme1.xml><?xml version="1.0" encoding="utf-8"?>
 <a:theme xmlns:a="http://schemas.openxmlformats.org/drawingml/2006/main" name="GradientRiseVTI">
   <a:themeElements>

--- a/Background Information/Health_Expenditures.pptx
+++ b/Background Information/Health_Expenditures.pptx
@@ -14,6 +14,9 @@
     <p:sldId id="262" r:id="rId8"/>
     <p:sldId id="263" r:id="rId9"/>
     <p:sldId id="264" r:id="rId10"/>
+    <p:sldId id="265" r:id="rId11"/>
+    <p:sldId id="266" r:id="rId12"/>
+    <p:sldId id="267" r:id="rId13"/>
   </p:sldIdLst>
   <p:sldSz cx="12192000" cy="6858000"/>
   <p:notesSz cx="6858000" cy="9144000"/>
@@ -4134,6 +4137,493 @@
 </p:sld>
 </file>
 
+<file path=ppt/slides/slide10.xml><?xml version="1.0" encoding="utf-8"?>
+<p:sld xmlns:a="http://schemas.openxmlformats.org/drawingml/2006/main" xmlns:r="http://schemas.openxmlformats.org/officeDocument/2006/relationships" xmlns:p="http://schemas.openxmlformats.org/presentationml/2006/main">
+  <p:cSld>
+    <p:spTree>
+      <p:nvGrpSpPr>
+        <p:cNvPr id="1" name=""/>
+        <p:cNvGrpSpPr/>
+        <p:nvPr/>
+      </p:nvGrpSpPr>
+      <p:grpSpPr>
+        <a:xfrm>
+          <a:off x="0" y="0"/>
+          <a:ext cx="0" cy="0"/>
+          <a:chOff x="0" y="0"/>
+          <a:chExt cx="0" cy="0"/>
+        </a:xfrm>
+      </p:grpSpPr>
+      <p:sp>
+        <p:nvSpPr>
+          <p:cNvPr id="2" name="Title 1">
+            <a:extLst>
+              <a:ext uri="{FF2B5EF4-FFF2-40B4-BE49-F238E27FC236}">
+                <a16:creationId xmlns:a16="http://schemas.microsoft.com/office/drawing/2014/main" id="{2723B497-8DBC-CE34-8139-CFEF62189719}"/>
+              </a:ext>
+            </a:extLst>
+          </p:cNvPr>
+          <p:cNvSpPr>
+            <a:spLocks noGrp="1"/>
+          </p:cNvSpPr>
+          <p:nvPr>
+            <p:ph type="title"/>
+          </p:nvPr>
+        </p:nvSpPr>
+        <p:spPr>
+          <a:xfrm>
+            <a:off x="581025" y="353568"/>
+            <a:ext cx="10241280" cy="1234440"/>
+          </a:xfrm>
+        </p:spPr>
+        <p:txBody>
+          <a:bodyPr/>
+          <a:lstStyle/>
+          <a:p>
+            <a:r>
+              <a:rPr lang="en-US" dirty="0"/>
+              <a:t>Annual Expenditure on Personal HealthCare</a:t>
+            </a:r>
+          </a:p>
+        </p:txBody>
+      </p:sp>
+      <p:pic>
+        <p:nvPicPr>
+          <p:cNvPr id="5" name="Content Placeholder 4" descr="A graph of different colored lines&#10;&#10;Description automatically generated">
+            <a:extLst>
+              <a:ext uri="{FF2B5EF4-FFF2-40B4-BE49-F238E27FC236}">
+                <a16:creationId xmlns:a16="http://schemas.microsoft.com/office/drawing/2014/main" id="{5251A938-94BA-C931-901C-8A896E06A3E3}"/>
+              </a:ext>
+            </a:extLst>
+          </p:cNvPr>
+          <p:cNvPicPr>
+            <a:picLocks noGrp="1" noChangeAspect="1"/>
+          </p:cNvPicPr>
+          <p:nvPr>
+            <p:ph idx="1"/>
+          </p:nvPr>
+        </p:nvPicPr>
+        <p:blipFill>
+          <a:blip r:embed="rId2"/>
+          <a:stretch>
+            <a:fillRect/>
+          </a:stretch>
+        </p:blipFill>
+        <p:spPr>
+          <a:xfrm>
+            <a:off x="5591995" y="2228850"/>
+            <a:ext cx="6590804" cy="3866007"/>
+          </a:xfrm>
+        </p:spPr>
+      </p:pic>
+      <p:pic>
+        <p:nvPicPr>
+          <p:cNvPr id="7" name="Picture 6">
+            <a:extLst>
+              <a:ext uri="{FF2B5EF4-FFF2-40B4-BE49-F238E27FC236}">
+                <a16:creationId xmlns:a16="http://schemas.microsoft.com/office/drawing/2014/main" id="{ABA2DD12-08B3-296D-97FD-81CEE5ED6051}"/>
+              </a:ext>
+            </a:extLst>
+          </p:cNvPr>
+          <p:cNvPicPr>
+            <a:picLocks noChangeAspect="1"/>
+          </p:cNvPicPr>
+          <p:nvPr/>
+        </p:nvPicPr>
+        <p:blipFill>
+          <a:blip r:embed="rId3"/>
+          <a:stretch>
+            <a:fillRect/>
+          </a:stretch>
+        </p:blipFill>
+        <p:spPr>
+          <a:xfrm>
+            <a:off x="0" y="2135632"/>
+            <a:ext cx="5868219" cy="2238687"/>
+          </a:xfrm>
+          <a:prstGeom prst="rect">
+            <a:avLst/>
+          </a:prstGeom>
+        </p:spPr>
+      </p:pic>
+      <p:sp>
+        <p:nvSpPr>
+          <p:cNvPr id="8" name="TextBox 7">
+            <a:extLst>
+              <a:ext uri="{FF2B5EF4-FFF2-40B4-BE49-F238E27FC236}">
+                <a16:creationId xmlns:a16="http://schemas.microsoft.com/office/drawing/2014/main" id="{E5C4B60E-BA96-17E0-6314-70CF80BDE3C2}"/>
+              </a:ext>
+            </a:extLst>
+          </p:cNvPr>
+          <p:cNvSpPr txBox="1"/>
+          <p:nvPr/>
+        </p:nvSpPr>
+        <p:spPr>
+          <a:xfrm>
+            <a:off x="266700" y="4374319"/>
+            <a:ext cx="4533900" cy="2031325"/>
+          </a:xfrm>
+          <a:prstGeom prst="rect">
+            <a:avLst/>
+          </a:prstGeom>
+          <a:noFill/>
+        </p:spPr>
+        <p:txBody>
+          <a:bodyPr wrap="square" rtlCol="0">
+            <a:spAutoFit/>
+          </a:bodyPr>
+          <a:lstStyle/>
+          <a:p>
+            <a:r>
+              <a:rPr lang="en-US" dirty="0"/>
+              <a:t>As seen from the chart, all regions continue to increase their spending on Personal Healthcare each year. </a:t>
+            </a:r>
+          </a:p>
+          <a:p>
+            <a:endParaRPr lang="en-US" dirty="0"/>
+          </a:p>
+          <a:p>
+            <a:r>
+              <a:rPr lang="en-US" dirty="0"/>
+              <a:t>The New England and Mideast regions are spending the most, with the Rocky Mountains and Southwest spending the least</a:t>
+            </a:r>
+          </a:p>
+        </p:txBody>
+      </p:sp>
+    </p:spTree>
+    <p:extLst>
+      <p:ext uri="{BB962C8B-B14F-4D97-AF65-F5344CB8AC3E}">
+        <p14:creationId xmlns:p14="http://schemas.microsoft.com/office/powerpoint/2010/main" val="2494475286"/>
+      </p:ext>
+    </p:extLst>
+  </p:cSld>
+  <p:clrMapOvr>
+    <a:masterClrMapping/>
+  </p:clrMapOvr>
+</p:sld>
+</file>
+
+<file path=ppt/slides/slide11.xml><?xml version="1.0" encoding="utf-8"?>
+<p:sld xmlns:a="http://schemas.openxmlformats.org/drawingml/2006/main" xmlns:r="http://schemas.openxmlformats.org/officeDocument/2006/relationships" xmlns:p="http://schemas.openxmlformats.org/presentationml/2006/main">
+  <p:cSld>
+    <p:spTree>
+      <p:nvGrpSpPr>
+        <p:cNvPr id="1" name=""/>
+        <p:cNvGrpSpPr/>
+        <p:nvPr/>
+      </p:nvGrpSpPr>
+      <p:grpSpPr>
+        <a:xfrm>
+          <a:off x="0" y="0"/>
+          <a:ext cx="0" cy="0"/>
+          <a:chOff x="0" y="0"/>
+          <a:chExt cx="0" cy="0"/>
+        </a:xfrm>
+      </p:grpSpPr>
+      <p:pic>
+        <p:nvPicPr>
+          <p:cNvPr id="5" name="Content Placeholder 4">
+            <a:extLst>
+              <a:ext uri="{FF2B5EF4-FFF2-40B4-BE49-F238E27FC236}">
+                <a16:creationId xmlns:a16="http://schemas.microsoft.com/office/drawing/2014/main" id="{9D7AB497-7A4E-A159-86D0-CB8260024B24}"/>
+              </a:ext>
+            </a:extLst>
+          </p:cNvPr>
+          <p:cNvPicPr>
+            <a:picLocks noGrp="1" noChangeAspect="1"/>
+          </p:cNvPicPr>
+          <p:nvPr>
+            <p:ph idx="1"/>
+          </p:nvPr>
+        </p:nvPicPr>
+        <p:blipFill>
+          <a:blip r:embed="rId2"/>
+          <a:stretch>
+            <a:fillRect/>
+          </a:stretch>
+        </p:blipFill>
+        <p:spPr>
+          <a:xfrm>
+            <a:off x="76548" y="1800225"/>
+            <a:ext cx="6371527" cy="1968655"/>
+          </a:xfrm>
+        </p:spPr>
+      </p:pic>
+      <p:pic>
+        <p:nvPicPr>
+          <p:cNvPr id="7" name="Picture 6" descr="A graph of different colored lines&#10;&#10;Description automatically generated">
+            <a:extLst>
+              <a:ext uri="{FF2B5EF4-FFF2-40B4-BE49-F238E27FC236}">
+                <a16:creationId xmlns:a16="http://schemas.microsoft.com/office/drawing/2014/main" id="{C3E22EE6-AC38-EE43-33EA-49DBB411ABDE}"/>
+              </a:ext>
+            </a:extLst>
+          </p:cNvPr>
+          <p:cNvPicPr>
+            <a:picLocks noChangeAspect="1"/>
+          </p:cNvPicPr>
+          <p:nvPr/>
+        </p:nvPicPr>
+        <p:blipFill rotWithShape="1">
+          <a:blip r:embed="rId3"/>
+          <a:srcRect r="7875"/>
+          <a:stretch/>
+        </p:blipFill>
+        <p:spPr>
+          <a:xfrm>
+            <a:off x="6448076" y="2054186"/>
+            <a:ext cx="5667375" cy="3086488"/>
+          </a:xfrm>
+          <a:prstGeom prst="rect">
+            <a:avLst/>
+          </a:prstGeom>
+        </p:spPr>
+      </p:pic>
+      <p:sp>
+        <p:nvSpPr>
+          <p:cNvPr id="8" name="Title 1">
+            <a:extLst>
+              <a:ext uri="{FF2B5EF4-FFF2-40B4-BE49-F238E27FC236}">
+                <a16:creationId xmlns:a16="http://schemas.microsoft.com/office/drawing/2014/main" id="{F94EE090-C65A-D6F7-4F73-870F45A63ED3}"/>
+              </a:ext>
+            </a:extLst>
+          </p:cNvPr>
+          <p:cNvSpPr>
+            <a:spLocks noGrp="1"/>
+          </p:cNvSpPr>
+          <p:nvPr>
+            <p:ph type="title"/>
+          </p:nvPr>
+        </p:nvSpPr>
+        <p:spPr>
+          <a:xfrm>
+            <a:off x="600075" y="176213"/>
+            <a:ext cx="10240963" cy="1235075"/>
+          </a:xfrm>
+        </p:spPr>
+        <p:txBody>
+          <a:bodyPr/>
+          <a:lstStyle/>
+          <a:p>
+            <a:r>
+              <a:rPr lang="en-US" dirty="0"/>
+              <a:t>Annual Income by Region</a:t>
+            </a:r>
+          </a:p>
+        </p:txBody>
+      </p:sp>
+      <p:sp>
+        <p:nvSpPr>
+          <p:cNvPr id="10" name="TextBox 9">
+            <a:extLst>
+              <a:ext uri="{FF2B5EF4-FFF2-40B4-BE49-F238E27FC236}">
+                <a16:creationId xmlns:a16="http://schemas.microsoft.com/office/drawing/2014/main" id="{0949FEFC-4883-9678-226F-D60C65B38D02}"/>
+              </a:ext>
+            </a:extLst>
+          </p:cNvPr>
+          <p:cNvSpPr txBox="1"/>
+          <p:nvPr/>
+        </p:nvSpPr>
+        <p:spPr>
+          <a:xfrm>
+            <a:off x="314325" y="4095750"/>
+            <a:ext cx="5162550" cy="923330"/>
+          </a:xfrm>
+          <a:prstGeom prst="rect">
+            <a:avLst/>
+          </a:prstGeom>
+          <a:noFill/>
+        </p:spPr>
+        <p:txBody>
+          <a:bodyPr wrap="square" rtlCol="0">
+            <a:spAutoFit/>
+          </a:bodyPr>
+          <a:lstStyle/>
+          <a:p>
+            <a:r>
+              <a:rPr lang="en-US" dirty="0"/>
+              <a:t>The annual income of each of the regions has continued to increase, but not as consistently as the expenditures on personal health care.</a:t>
+            </a:r>
+          </a:p>
+        </p:txBody>
+      </p:sp>
+    </p:spTree>
+    <p:extLst>
+      <p:ext uri="{BB962C8B-B14F-4D97-AF65-F5344CB8AC3E}">
+        <p14:creationId xmlns:p14="http://schemas.microsoft.com/office/powerpoint/2010/main" val="2534517065"/>
+      </p:ext>
+    </p:extLst>
+  </p:cSld>
+  <p:clrMapOvr>
+    <a:masterClrMapping/>
+  </p:clrMapOvr>
+</p:sld>
+</file>
+
+<file path=ppt/slides/slide12.xml><?xml version="1.0" encoding="utf-8"?>
+<p:sld xmlns:a="http://schemas.openxmlformats.org/drawingml/2006/main" xmlns:r="http://schemas.openxmlformats.org/officeDocument/2006/relationships" xmlns:p="http://schemas.openxmlformats.org/presentationml/2006/main">
+  <p:cSld>
+    <p:spTree>
+      <p:nvGrpSpPr>
+        <p:cNvPr id="1" name=""/>
+        <p:cNvGrpSpPr/>
+        <p:nvPr/>
+      </p:nvGrpSpPr>
+      <p:grpSpPr>
+        <a:xfrm>
+          <a:off x="0" y="0"/>
+          <a:ext cx="0" cy="0"/>
+          <a:chOff x="0" y="0"/>
+          <a:chExt cx="0" cy="0"/>
+        </a:xfrm>
+      </p:grpSpPr>
+      <p:pic>
+        <p:nvPicPr>
+          <p:cNvPr id="6" name="Content Placeholder 5" descr="A graph of different colored lines&#10;&#10;Description automatically generated">
+            <a:extLst>
+              <a:ext uri="{FF2B5EF4-FFF2-40B4-BE49-F238E27FC236}">
+                <a16:creationId xmlns:a16="http://schemas.microsoft.com/office/drawing/2014/main" id="{83ACE5A6-2B14-8867-A666-18F6F1C75137}"/>
+              </a:ext>
+            </a:extLst>
+          </p:cNvPr>
+          <p:cNvPicPr>
+            <a:picLocks noGrp="1" noChangeAspect="1"/>
+          </p:cNvPicPr>
+          <p:nvPr>
+            <p:ph idx="1"/>
+          </p:nvPr>
+        </p:nvPicPr>
+        <p:blipFill rotWithShape="1">
+          <a:blip r:embed="rId2"/>
+          <a:srcRect r="4682"/>
+          <a:stretch/>
+        </p:blipFill>
+        <p:spPr>
+          <a:xfrm>
+            <a:off x="6338094" y="2248813"/>
+            <a:ext cx="5484018" cy="3477976"/>
+          </a:xfrm>
+        </p:spPr>
+      </p:pic>
+      <p:sp>
+        <p:nvSpPr>
+          <p:cNvPr id="4" name="Title 1">
+            <a:extLst>
+              <a:ext uri="{FF2B5EF4-FFF2-40B4-BE49-F238E27FC236}">
+                <a16:creationId xmlns:a16="http://schemas.microsoft.com/office/drawing/2014/main" id="{977E58EB-6982-E178-D625-DC6F91E55E35}"/>
+              </a:ext>
+            </a:extLst>
+          </p:cNvPr>
+          <p:cNvSpPr>
+            <a:spLocks noGrp="1"/>
+          </p:cNvSpPr>
+          <p:nvPr>
+            <p:ph type="title"/>
+          </p:nvPr>
+        </p:nvSpPr>
+        <p:spPr>
+          <a:xfrm>
+            <a:off x="504825" y="168846"/>
+            <a:ext cx="10240963" cy="1235075"/>
+          </a:xfrm>
+        </p:spPr>
+        <p:txBody>
+          <a:bodyPr/>
+          <a:lstStyle/>
+          <a:p>
+            <a:r>
+              <a:rPr lang="en-US" dirty="0"/>
+              <a:t>Annual Expenditure on Personal HealthCare</a:t>
+            </a:r>
+          </a:p>
+        </p:txBody>
+      </p:sp>
+      <p:pic>
+        <p:nvPicPr>
+          <p:cNvPr id="10" name="Picture 9">
+            <a:extLst>
+              <a:ext uri="{FF2B5EF4-FFF2-40B4-BE49-F238E27FC236}">
+                <a16:creationId xmlns:a16="http://schemas.microsoft.com/office/drawing/2014/main" id="{03931FF8-CB37-D1D0-CE48-C96AC071F8C0}"/>
+              </a:ext>
+            </a:extLst>
+          </p:cNvPr>
+          <p:cNvPicPr>
+            <a:picLocks noChangeAspect="1"/>
+          </p:cNvPicPr>
+          <p:nvPr/>
+        </p:nvPicPr>
+        <p:blipFill>
+          <a:blip r:embed="rId3"/>
+          <a:stretch>
+            <a:fillRect/>
+          </a:stretch>
+        </p:blipFill>
+        <p:spPr>
+          <a:xfrm>
+            <a:off x="0" y="1625308"/>
+            <a:ext cx="6404770" cy="2095792"/>
+          </a:xfrm>
+          <a:prstGeom prst="rect">
+            <a:avLst/>
+          </a:prstGeom>
+        </p:spPr>
+      </p:pic>
+      <p:sp>
+        <p:nvSpPr>
+          <p:cNvPr id="11" name="TextBox 10">
+            <a:extLst>
+              <a:ext uri="{FF2B5EF4-FFF2-40B4-BE49-F238E27FC236}">
+                <a16:creationId xmlns:a16="http://schemas.microsoft.com/office/drawing/2014/main" id="{494DBB3E-81D3-6321-A572-717FDE8A4313}"/>
+              </a:ext>
+            </a:extLst>
+          </p:cNvPr>
+          <p:cNvSpPr txBox="1"/>
+          <p:nvPr/>
+        </p:nvSpPr>
+        <p:spPr>
+          <a:xfrm>
+            <a:off x="369888" y="3987801"/>
+            <a:ext cx="4038600" cy="2308324"/>
+          </a:xfrm>
+          <a:prstGeom prst="rect">
+            <a:avLst/>
+          </a:prstGeom>
+          <a:noFill/>
+        </p:spPr>
+        <p:txBody>
+          <a:bodyPr wrap="square" rtlCol="0">
+            <a:spAutoFit/>
+          </a:bodyPr>
+          <a:lstStyle/>
+          <a:p>
+            <a:r>
+              <a:rPr lang="en-US" dirty="0"/>
+              <a:t>We then calculate the percentage of the annual income that was being spent on personal healthcare.</a:t>
+            </a:r>
+          </a:p>
+          <a:p>
+            <a:endParaRPr lang="en-US" dirty="0"/>
+          </a:p>
+          <a:p>
+            <a:r>
+              <a:rPr lang="en-US" dirty="0"/>
+              <a:t>New England and Mideast spent the highest percentage of their income on personal healthcare, while the Southwest spent the lowest</a:t>
+            </a:r>
+          </a:p>
+        </p:txBody>
+      </p:sp>
+    </p:spTree>
+    <p:extLst>
+      <p:ext uri="{BB962C8B-B14F-4D97-AF65-F5344CB8AC3E}">
+        <p14:creationId xmlns:p14="http://schemas.microsoft.com/office/powerpoint/2010/main" val="31811822"/>
+      </p:ext>
+    </p:extLst>
+  </p:cSld>
+  <p:clrMapOvr>
+    <a:masterClrMapping/>
+  </p:clrMapOvr>
+</p:sld>
+</file>
+
 <file path=ppt/slides/slide2.xml><?xml version="1.0" encoding="utf-8"?>
 <p:sld xmlns:a="http://schemas.openxmlformats.org/drawingml/2006/main" xmlns:r="http://schemas.openxmlformats.org/officeDocument/2006/relationships" xmlns:p="http://schemas.openxmlformats.org/presentationml/2006/main">
   <p:cSld>

--- a/Background Information/Health_Expenditures.pptx
+++ b/Background Information/Health_Expenditures.pptx
@@ -7,16 +7,17 @@
   <p:sldIdLst>
     <p:sldId id="256" r:id="rId2"/>
     <p:sldId id="257" r:id="rId3"/>
-    <p:sldId id="258" r:id="rId4"/>
-    <p:sldId id="259" r:id="rId5"/>
-    <p:sldId id="260" r:id="rId6"/>
-    <p:sldId id="261" r:id="rId7"/>
-    <p:sldId id="262" r:id="rId8"/>
-    <p:sldId id="263" r:id="rId9"/>
-    <p:sldId id="264" r:id="rId10"/>
-    <p:sldId id="265" r:id="rId11"/>
-    <p:sldId id="266" r:id="rId12"/>
-    <p:sldId id="267" r:id="rId13"/>
+    <p:sldId id="268" r:id="rId4"/>
+    <p:sldId id="258" r:id="rId5"/>
+    <p:sldId id="259" r:id="rId6"/>
+    <p:sldId id="260" r:id="rId7"/>
+    <p:sldId id="261" r:id="rId8"/>
+    <p:sldId id="262" r:id="rId9"/>
+    <p:sldId id="263" r:id="rId10"/>
+    <p:sldId id="264" r:id="rId11"/>
+    <p:sldId id="265" r:id="rId12"/>
+    <p:sldId id="266" r:id="rId13"/>
+    <p:sldId id="267" r:id="rId14"/>
   </p:sldIdLst>
   <p:sldSz cx="12192000" cy="6858000"/>
   <p:notesSz cx="6858000" cy="9144000"/>
@@ -4140,6 +4141,14 @@
 <file path=ppt/slides/slide10.xml><?xml version="1.0" encoding="utf-8"?>
 <p:sld xmlns:a="http://schemas.openxmlformats.org/drawingml/2006/main" xmlns:r="http://schemas.openxmlformats.org/officeDocument/2006/relationships" xmlns:p="http://schemas.openxmlformats.org/presentationml/2006/main">
   <p:cSld>
+    <p:bg>
+      <p:bgPr>
+        <a:solidFill>
+          <a:schemeClr val="bg1"/>
+        </a:solidFill>
+        <a:effectLst/>
+      </p:bgPr>
+    </p:bg>
     <p:spTree>
       <p:nvGrpSpPr>
         <p:cNvPr id="1" name=""/>
@@ -4159,7 +4168,7 @@
           <p:cNvPr id="2" name="Title 1">
             <a:extLst>
               <a:ext uri="{FF2B5EF4-FFF2-40B4-BE49-F238E27FC236}">
-                <a16:creationId xmlns:a16="http://schemas.microsoft.com/office/drawing/2014/main" id="{2723B497-8DBC-CE34-8139-CFEF62189719}"/>
+                <a16:creationId xmlns:a16="http://schemas.microsoft.com/office/drawing/2014/main" id="{C0DD6619-4B00-79CB-7A56-7C73338E4734}"/>
               </a:ext>
             </a:extLst>
           </p:cNvPr>
@@ -4172,56 +4181,106 @@
         </p:nvSpPr>
         <p:spPr>
           <a:xfrm>
-            <a:off x="581025" y="353568"/>
-            <a:ext cx="10241280" cy="1234440"/>
-          </a:xfrm>
-        </p:spPr>
-        <p:txBody>
-          <a:bodyPr/>
-          <a:lstStyle/>
-          <a:p>
-            <a:r>
-              <a:rPr lang="en-US" dirty="0"/>
-              <a:t>Annual Expenditure on Personal HealthCare</a:t>
-            </a:r>
+            <a:off x="568280" y="4717774"/>
+            <a:ext cx="6676086" cy="1372775"/>
+          </a:xfrm>
+        </p:spPr>
+        <p:txBody>
+          <a:bodyPr anchor="b">
+            <a:normAutofit/>
+          </a:bodyPr>
+          <a:lstStyle/>
+          <a:p>
+            <a:endParaRPr lang="en-US" dirty="0">
+              <a:solidFill>
+                <a:srgbClr val="FFFFFF"/>
+              </a:solidFill>
+            </a:endParaRPr>
+          </a:p>
+        </p:txBody>
+      </p:sp>
+      <p:sp>
+        <p:nvSpPr>
+          <p:cNvPr id="9" name="Content Placeholder 8">
+            <a:extLst>
+              <a:ext uri="{FF2B5EF4-FFF2-40B4-BE49-F238E27FC236}">
+                <a16:creationId xmlns:a16="http://schemas.microsoft.com/office/drawing/2014/main" id="{FE441EE8-3744-D417-DA68-EB658AF5E08C}"/>
+              </a:ext>
+            </a:extLst>
+          </p:cNvPr>
+          <p:cNvSpPr>
+            <a:spLocks noGrp="1"/>
+          </p:cNvSpPr>
+          <p:nvPr>
+            <p:ph idx="1"/>
+          </p:nvPr>
+        </p:nvSpPr>
+        <p:spPr>
+          <a:xfrm>
+            <a:off x="10300289" y="333586"/>
+            <a:ext cx="2048540" cy="5742008"/>
+          </a:xfrm>
+        </p:spPr>
+        <p:txBody>
+          <a:bodyPr>
+            <a:normAutofit/>
+          </a:bodyPr>
+          <a:lstStyle/>
+          <a:p>
+            <a:endParaRPr lang="en-US" dirty="0"/>
           </a:p>
         </p:txBody>
       </p:sp>
       <p:pic>
         <p:nvPicPr>
-          <p:cNvPr id="5" name="Content Placeholder 4" descr="A graph of different colored lines&#10;&#10;Description automatically generated">
-            <a:extLst>
-              <a:ext uri="{FF2B5EF4-FFF2-40B4-BE49-F238E27FC236}">
-                <a16:creationId xmlns:a16="http://schemas.microsoft.com/office/drawing/2014/main" id="{5251A938-94BA-C931-901C-8A896E06A3E3}"/>
+          <p:cNvPr id="4" name="Camera 3">
+            <a:extLst>
+              <a:ext uri="{FF2B5EF4-FFF2-40B4-BE49-F238E27FC236}">
+                <a16:creationId xmlns:a16="http://schemas.microsoft.com/office/drawing/2014/main" id="{AA5A0ED0-9DD6-A71F-4C25-7B256D52A6BC}"/>
               </a:ext>
             </a:extLst>
           </p:cNvPr>
           <p:cNvPicPr>
-            <a:picLocks noGrp="1" noChangeAspect="1"/>
+            <a:picLocks noChangeAspect="1"/>
+            <a:extLst>
+              <a:ext uri="{51228E76-BA90-4043-B771-695A4F85340A}">
+                <alf:liveFeedProps xmlns:alf="http://schemas.microsoft.com/office/drawing/2021/livefeed"/>
+              </a:ext>
+            </a:extLst>
           </p:cNvPicPr>
-          <p:nvPr>
-            <p:ph idx="1"/>
-          </p:nvPr>
+          <p:nvPr/>
         </p:nvPicPr>
-        <p:blipFill>
-          <a:blip r:embed="rId2"/>
-          <a:stretch>
-            <a:fillRect/>
-          </a:stretch>
+        <p:blipFill rotWithShape="1">
+          <a:blip r:embed="rId2">
+            <a:extLst>
+              <a:ext uri="{96DAC541-7B7A-43D3-8B79-37D633B846F1}">
+                <asvg:svgBlip xmlns:asvg="http://schemas.microsoft.com/office/drawing/2016/SVG/main" r:embed="rId3"/>
+              </a:ext>
+            </a:extLst>
+          </a:blip>
+          <a:srcRect/>
+          <a:stretch/>
         </p:blipFill>
         <p:spPr>
           <a:xfrm>
-            <a:off x="5591995" y="2228850"/>
-            <a:ext cx="6590804" cy="3866007"/>
-          </a:xfrm>
+            <a:off x="9992868" y="484632"/>
+            <a:ext cx="1714500" cy="1714500"/>
+          </a:xfrm>
+          <a:prstGeom prst="ellipse">
+            <a:avLst/>
+          </a:prstGeom>
+          <a:ln w="19050" cap="rnd">
+            <a:noFill/>
+          </a:ln>
+          <a:effectLst/>
         </p:spPr>
       </p:pic>
       <p:pic>
         <p:nvPicPr>
-          <p:cNvPr id="7" name="Picture 6">
-            <a:extLst>
-              <a:ext uri="{FF2B5EF4-FFF2-40B4-BE49-F238E27FC236}">
-                <a16:creationId xmlns:a16="http://schemas.microsoft.com/office/drawing/2014/main" id="{ABA2DD12-08B3-296D-97FD-81CEE5ED6051}"/>
+          <p:cNvPr id="12" name="Picture 11">
+            <a:extLst>
+              <a:ext uri="{FF2B5EF4-FFF2-40B4-BE49-F238E27FC236}">
+                <a16:creationId xmlns:a16="http://schemas.microsoft.com/office/drawing/2014/main" id="{21BA3476-A638-5B09-1CD3-259C8A21B202}"/>
               </a:ext>
             </a:extLst>
           </p:cNvPr>
@@ -4231,69 +4290,25 @@
           <p:nvPr/>
         </p:nvPicPr>
         <p:blipFill>
-          <a:blip r:embed="rId3"/>
+          <a:blip r:embed="rId4"/>
           <a:stretch>
             <a:fillRect/>
           </a:stretch>
         </p:blipFill>
         <p:spPr>
           <a:xfrm>
-            <a:off x="0" y="2135632"/>
-            <a:ext cx="5868219" cy="2238687"/>
+            <a:off x="461176" y="304364"/>
+            <a:ext cx="11269648" cy="6249272"/>
           </a:xfrm>
           <a:prstGeom prst="rect">
             <a:avLst/>
           </a:prstGeom>
         </p:spPr>
       </p:pic>
-      <p:sp>
-        <p:nvSpPr>
-          <p:cNvPr id="8" name="TextBox 7">
-            <a:extLst>
-              <a:ext uri="{FF2B5EF4-FFF2-40B4-BE49-F238E27FC236}">
-                <a16:creationId xmlns:a16="http://schemas.microsoft.com/office/drawing/2014/main" id="{E5C4B60E-BA96-17E0-6314-70CF80BDE3C2}"/>
-              </a:ext>
-            </a:extLst>
-          </p:cNvPr>
-          <p:cNvSpPr txBox="1"/>
-          <p:nvPr/>
-        </p:nvSpPr>
-        <p:spPr>
-          <a:xfrm>
-            <a:off x="266700" y="4374319"/>
-            <a:ext cx="4533900" cy="2031325"/>
-          </a:xfrm>
-          <a:prstGeom prst="rect">
-            <a:avLst/>
-          </a:prstGeom>
-          <a:noFill/>
-        </p:spPr>
-        <p:txBody>
-          <a:bodyPr wrap="square" rtlCol="0">
-            <a:spAutoFit/>
-          </a:bodyPr>
-          <a:lstStyle/>
-          <a:p>
-            <a:r>
-              <a:rPr lang="en-US" dirty="0"/>
-              <a:t>As seen from the chart, all regions continue to increase their spending on Personal Healthcare each year. </a:t>
-            </a:r>
-          </a:p>
-          <a:p>
-            <a:endParaRPr lang="en-US" dirty="0"/>
-          </a:p>
-          <a:p>
-            <a:r>
-              <a:rPr lang="en-US" dirty="0"/>
-              <a:t>The New England and Mideast regions are spending the most, with the Rocky Mountains and Southwest spending the least</a:t>
-            </a:r>
-          </a:p>
-        </p:txBody>
-      </p:sp>
     </p:spTree>
     <p:extLst>
       <p:ext uri="{BB962C8B-B14F-4D97-AF65-F5344CB8AC3E}">
-        <p14:creationId xmlns:p14="http://schemas.microsoft.com/office/powerpoint/2010/main" val="2494475286"/>
+        <p14:creationId xmlns:p14="http://schemas.microsoft.com/office/powerpoint/2010/main" val="760509499"/>
       </p:ext>
     </p:extLst>
   </p:cSld>
@@ -4320,6 +4335,172 @@
           <a:chExt cx="0" cy="0"/>
         </a:xfrm>
       </p:grpSpPr>
+      <p:sp>
+        <p:nvSpPr>
+          <p:cNvPr id="2" name="Title 1">
+            <a:extLst>
+              <a:ext uri="{FF2B5EF4-FFF2-40B4-BE49-F238E27FC236}">
+                <a16:creationId xmlns:a16="http://schemas.microsoft.com/office/drawing/2014/main" id="{2723B497-8DBC-CE34-8139-CFEF62189719}"/>
+              </a:ext>
+            </a:extLst>
+          </p:cNvPr>
+          <p:cNvSpPr>
+            <a:spLocks noGrp="1"/>
+          </p:cNvSpPr>
+          <p:nvPr>
+            <p:ph type="title"/>
+          </p:nvPr>
+        </p:nvSpPr>
+        <p:spPr>
+          <a:xfrm>
+            <a:off x="581025" y="353568"/>
+            <a:ext cx="10241280" cy="1234440"/>
+          </a:xfrm>
+        </p:spPr>
+        <p:txBody>
+          <a:bodyPr/>
+          <a:lstStyle/>
+          <a:p>
+            <a:r>
+              <a:rPr lang="en-US" dirty="0"/>
+              <a:t>Annual Expenditure on Personal HealthCare</a:t>
+            </a:r>
+          </a:p>
+        </p:txBody>
+      </p:sp>
+      <p:pic>
+        <p:nvPicPr>
+          <p:cNvPr id="5" name="Content Placeholder 4" descr="A graph of different colored lines&#10;&#10;Description automatically generated">
+            <a:extLst>
+              <a:ext uri="{FF2B5EF4-FFF2-40B4-BE49-F238E27FC236}">
+                <a16:creationId xmlns:a16="http://schemas.microsoft.com/office/drawing/2014/main" id="{5251A938-94BA-C931-901C-8A896E06A3E3}"/>
+              </a:ext>
+            </a:extLst>
+          </p:cNvPr>
+          <p:cNvPicPr>
+            <a:picLocks noGrp="1" noChangeAspect="1"/>
+          </p:cNvPicPr>
+          <p:nvPr>
+            <p:ph idx="1"/>
+          </p:nvPr>
+        </p:nvPicPr>
+        <p:blipFill>
+          <a:blip r:embed="rId2"/>
+          <a:stretch>
+            <a:fillRect/>
+          </a:stretch>
+        </p:blipFill>
+        <p:spPr>
+          <a:xfrm>
+            <a:off x="5591995" y="2228850"/>
+            <a:ext cx="6590804" cy="3866007"/>
+          </a:xfrm>
+        </p:spPr>
+      </p:pic>
+      <p:pic>
+        <p:nvPicPr>
+          <p:cNvPr id="7" name="Picture 6">
+            <a:extLst>
+              <a:ext uri="{FF2B5EF4-FFF2-40B4-BE49-F238E27FC236}">
+                <a16:creationId xmlns:a16="http://schemas.microsoft.com/office/drawing/2014/main" id="{ABA2DD12-08B3-296D-97FD-81CEE5ED6051}"/>
+              </a:ext>
+            </a:extLst>
+          </p:cNvPr>
+          <p:cNvPicPr>
+            <a:picLocks noChangeAspect="1"/>
+          </p:cNvPicPr>
+          <p:nvPr/>
+        </p:nvPicPr>
+        <p:blipFill>
+          <a:blip r:embed="rId3"/>
+          <a:stretch>
+            <a:fillRect/>
+          </a:stretch>
+        </p:blipFill>
+        <p:spPr>
+          <a:xfrm>
+            <a:off x="0" y="2135632"/>
+            <a:ext cx="5868219" cy="2238687"/>
+          </a:xfrm>
+          <a:prstGeom prst="rect">
+            <a:avLst/>
+          </a:prstGeom>
+        </p:spPr>
+      </p:pic>
+      <p:sp>
+        <p:nvSpPr>
+          <p:cNvPr id="8" name="TextBox 7">
+            <a:extLst>
+              <a:ext uri="{FF2B5EF4-FFF2-40B4-BE49-F238E27FC236}">
+                <a16:creationId xmlns:a16="http://schemas.microsoft.com/office/drawing/2014/main" id="{E5C4B60E-BA96-17E0-6314-70CF80BDE3C2}"/>
+              </a:ext>
+            </a:extLst>
+          </p:cNvPr>
+          <p:cNvSpPr txBox="1"/>
+          <p:nvPr/>
+        </p:nvSpPr>
+        <p:spPr>
+          <a:xfrm>
+            <a:off x="266700" y="4374319"/>
+            <a:ext cx="4533900" cy="2031325"/>
+          </a:xfrm>
+          <a:prstGeom prst="rect">
+            <a:avLst/>
+          </a:prstGeom>
+          <a:noFill/>
+        </p:spPr>
+        <p:txBody>
+          <a:bodyPr wrap="square" rtlCol="0">
+            <a:spAutoFit/>
+          </a:bodyPr>
+          <a:lstStyle/>
+          <a:p>
+            <a:r>
+              <a:rPr lang="en-US" dirty="0"/>
+              <a:t>As seen from the chart, all regions continue to increase their spending on Personal Healthcare each year. </a:t>
+            </a:r>
+          </a:p>
+          <a:p>
+            <a:endParaRPr lang="en-US" dirty="0"/>
+          </a:p>
+          <a:p>
+            <a:r>
+              <a:rPr lang="en-US" dirty="0"/>
+              <a:t>The New England and Mideast regions are spending the most, with the Rocky Mountains and Southwest spending the least</a:t>
+            </a:r>
+          </a:p>
+        </p:txBody>
+      </p:sp>
+    </p:spTree>
+    <p:extLst>
+      <p:ext uri="{BB962C8B-B14F-4D97-AF65-F5344CB8AC3E}">
+        <p14:creationId xmlns:p14="http://schemas.microsoft.com/office/powerpoint/2010/main" val="2494475286"/>
+      </p:ext>
+    </p:extLst>
+  </p:cSld>
+  <p:clrMapOvr>
+    <a:masterClrMapping/>
+  </p:clrMapOvr>
+</p:sld>
+</file>
+
+<file path=ppt/slides/slide12.xml><?xml version="1.0" encoding="utf-8"?>
+<p:sld xmlns:a="http://schemas.openxmlformats.org/drawingml/2006/main" xmlns:r="http://schemas.openxmlformats.org/officeDocument/2006/relationships" xmlns:p="http://schemas.openxmlformats.org/presentationml/2006/main">
+  <p:cSld>
+    <p:spTree>
+      <p:nvGrpSpPr>
+        <p:cNvPr id="1" name=""/>
+        <p:cNvGrpSpPr/>
+        <p:nvPr/>
+      </p:nvGrpSpPr>
+      <p:grpSpPr>
+        <a:xfrm>
+          <a:off x="0" y="0"/>
+          <a:ext cx="0" cy="0"/>
+          <a:chOff x="0" y="0"/>
+          <a:chExt cx="0" cy="0"/>
+        </a:xfrm>
+      </p:grpSpPr>
       <p:pic>
         <p:nvPicPr>
           <p:cNvPr id="5" name="Content Placeholder 4">
@@ -4459,7 +4640,7 @@
 </p:sld>
 </file>
 
-<file path=ppt/slides/slide12.xml><?xml version="1.0" encoding="utf-8"?>
+<file path=ppt/slides/slide13.xml><?xml version="1.0" encoding="utf-8"?>
 <p:sld xmlns:a="http://schemas.openxmlformats.org/drawingml/2006/main" xmlns:r="http://schemas.openxmlformats.org/officeDocument/2006/relationships" xmlns:p="http://schemas.openxmlformats.org/presentationml/2006/main">
   <p:cSld>
     <p:spTree>
@@ -4946,7 +5127,7 @@
           <p:cNvPr id="2" name="Title 1">
             <a:extLst>
               <a:ext uri="{FF2B5EF4-FFF2-40B4-BE49-F238E27FC236}">
-                <a16:creationId xmlns:a16="http://schemas.microsoft.com/office/drawing/2014/main" id="{A3A42826-54D5-1EB3-6D45-47E8D17E7B81}"/>
+                <a16:creationId xmlns:a16="http://schemas.microsoft.com/office/drawing/2014/main" id="{2AEB2587-9ADC-6559-8DD1-6A83342B994C}"/>
               </a:ext>
             </a:extLst>
           </p:cNvPr>
@@ -4959,7 +5140,7 @@
         </p:nvSpPr>
         <p:spPr>
           <a:xfrm>
-            <a:off x="975360" y="169164"/>
+            <a:off x="975360" y="379891"/>
             <a:ext cx="10241280" cy="1234440"/>
           </a:xfrm>
         </p:spPr>
@@ -4970,7 +5151,7 @@
             <a:pPr algn="ctr"/>
             <a:r>
               <a:rPr lang="en-US" dirty="0"/>
-              <a:t>Data transformation</a:t>
+              <a:t>Overview</a:t>
             </a:r>
           </a:p>
         </p:txBody>
@@ -4980,7 +5161,7 @@
           <p:cNvPr id="3" name="Content Placeholder 2">
             <a:extLst>
               <a:ext uri="{FF2B5EF4-FFF2-40B4-BE49-F238E27FC236}">
-                <a16:creationId xmlns:a16="http://schemas.microsoft.com/office/drawing/2014/main" id="{399D6762-7C15-DF3B-989A-CC2EE7305369}"/>
+                <a16:creationId xmlns:a16="http://schemas.microsoft.com/office/drawing/2014/main" id="{73637CE3-649F-DD01-00AA-87CB7C6D1A67}"/>
               </a:ext>
             </a:extLst>
           </p:cNvPr>
@@ -4993,7 +5174,7 @@
         </p:nvSpPr>
         <p:spPr>
           <a:xfrm>
-            <a:off x="975360" y="1732254"/>
+            <a:off x="975360" y="1898508"/>
             <a:ext cx="10241280" cy="3959352"/>
           </a:xfrm>
         </p:spPr>
@@ -5005,133 +5186,49 @@
               <a:lnSpc>
                 <a:spcPct val="100000"/>
               </a:lnSpc>
-              <a:spcBef>
-                <a:spcPts val="0"/>
-              </a:spcBef>
               <a:buNone/>
             </a:pPr>
-            <a:r>
-              <a:rPr lang="en-US" sz="2400" dirty="0"/>
-              <a:t>The data was captured in two formats: JSON and XLS.</a:t>
-            </a:r>
+            <a:br>
+              <a:rPr lang="en-US" sz="1800" kern="100" dirty="0">
+                <a:effectLst/>
+                <a:latin typeface="Calibri" panose="020F0502020204030204" pitchFamily="34" charset="0"/>
+                <a:ea typeface="Calibri" panose="020F0502020204030204" pitchFamily="34" charset="0"/>
+                <a:cs typeface="Times New Roman" panose="02020603050405020304" pitchFamily="18" charset="0"/>
+              </a:rPr>
+            </a:br>
+            <a:endParaRPr lang="en-US" sz="1800" kern="100" dirty="0">
+              <a:effectLst/>
+              <a:latin typeface="Calibri" panose="020F0502020204030204" pitchFamily="34" charset="0"/>
+              <a:ea typeface="Calibri" panose="020F0502020204030204" pitchFamily="34" charset="0"/>
+              <a:cs typeface="Times New Roman" panose="02020603050405020304" pitchFamily="18" charset="0"/>
+            </a:endParaRPr>
           </a:p>
           <a:p>
             <a:pPr marL="0" indent="0" algn="ctr">
               <a:lnSpc>
                 <a:spcPct val="100000"/>
               </a:lnSpc>
-              <a:spcBef>
-                <a:spcPts val="0"/>
-              </a:spcBef>
               <a:buNone/>
             </a:pPr>
-            <a:endParaRPr lang="en-US" sz="1200" dirty="0"/>
-          </a:p>
-          <a:p>
-            <a:pPr marL="0" indent="0" algn="ctr">
-              <a:lnSpc>
-                <a:spcPct val="100000"/>
-              </a:lnSpc>
-              <a:spcBef>
-                <a:spcPts val="0"/>
-              </a:spcBef>
-              <a:buNone/>
-            </a:pPr>
-            <a:endParaRPr lang="en-US" sz="1200" dirty="0"/>
-          </a:p>
-          <a:p>
-            <a:pPr marL="0" indent="0" algn="ctr">
-              <a:lnSpc>
-                <a:spcPct val="100000"/>
-              </a:lnSpc>
-              <a:spcBef>
-                <a:spcPts val="0"/>
-              </a:spcBef>
-              <a:buNone/>
-            </a:pPr>
-            <a:endParaRPr lang="en-US" sz="1200" dirty="0"/>
-          </a:p>
-          <a:p>
-            <a:pPr marL="0" indent="0" algn="ctr">
-              <a:lnSpc>
-                <a:spcPct val="100000"/>
-              </a:lnSpc>
-              <a:spcBef>
-                <a:spcPts val="0"/>
-              </a:spcBef>
-              <a:buNone/>
-            </a:pPr>
-            <a:r>
-              <a:rPr lang="en-US" sz="2400" dirty="0"/>
-              <a:t>The data was fed to a </a:t>
-            </a:r>
-            <a:r>
-              <a:rPr lang="en-US" sz="2400" dirty="0" err="1"/>
-              <a:t>Jupyter</a:t>
-            </a:r>
-            <a:r>
-              <a:rPr lang="en-US" sz="2400" dirty="0"/>
-              <a:t> NB where it was read using the following dependencies to clean the data: requests, pandas, </a:t>
-            </a:r>
-            <a:r>
-              <a:rPr lang="en-US" sz="2400" dirty="0" err="1"/>
-              <a:t>numpy</a:t>
-            </a:r>
-            <a:r>
-              <a:rPr lang="en-US" sz="2400" dirty="0"/>
-              <a:t>, </a:t>
-            </a:r>
-            <a:r>
-              <a:rPr lang="en-US" sz="2400" dirty="0" err="1"/>
-              <a:t>openpyxl</a:t>
-            </a:r>
-            <a:endParaRPr lang="en-US" sz="2400" dirty="0"/>
-          </a:p>
-          <a:p>
-            <a:pPr marL="457200" lvl="1" indent="0" algn="ctr">
-              <a:lnSpc>
-                <a:spcPct val="100000"/>
-              </a:lnSpc>
-              <a:buNone/>
-            </a:pPr>
-            <a:endParaRPr lang="en-US" sz="1200" dirty="0"/>
-          </a:p>
-        </p:txBody>
-      </p:sp>
-      <p:pic>
-        <p:nvPicPr>
-          <p:cNvPr id="5" name="Picture 4" descr="A close-up of a computer screen&#10;&#10;Description automatically generated">
-            <a:extLst>
-              <a:ext uri="{FF2B5EF4-FFF2-40B4-BE49-F238E27FC236}">
-                <a16:creationId xmlns:a16="http://schemas.microsoft.com/office/drawing/2014/main" id="{2802DF49-9F25-67CC-152C-90B3E2763ED3}"/>
-              </a:ext>
-            </a:extLst>
-          </p:cNvPr>
-          <p:cNvPicPr>
-            <a:picLocks noChangeAspect="1"/>
-          </p:cNvPicPr>
-          <p:nvPr/>
-        </p:nvPicPr>
-        <p:blipFill>
-          <a:blip r:embed="rId2"/>
-          <a:stretch>
-            <a:fillRect/>
-          </a:stretch>
-        </p:blipFill>
-        <p:spPr>
-          <a:xfrm>
-            <a:off x="4373560" y="3711930"/>
-            <a:ext cx="3444879" cy="1738844"/>
-          </a:xfrm>
-          <a:prstGeom prst="rect">
-            <a:avLst/>
-          </a:prstGeom>
-        </p:spPr>
-      </p:pic>
+            <a:r>
+              <a:rPr lang="en-US" kern="100" dirty="0">
+                <a:effectLst/>
+                <a:latin typeface="Calibri" panose="020F0502020204030204" pitchFamily="34" charset="0"/>
+                <a:ea typeface="Calibri" panose="020F0502020204030204" pitchFamily="34" charset="0"/>
+                <a:cs typeface="Times New Roman" panose="02020603050405020304" pitchFamily="18" charset="0"/>
+              </a:rPr>
+              <a:t>Group 3 will be using data sets from the US Centers for Medicare and Medicaid Services and the St. Louis Fred and will look at healthcare consumption by state investigating the correlation between private healthcare usage, income, and region. We will also be taking a deeper dive into healthcare usage to include patient usage of physicians, clinics, and hospitals. State consumption rates can also vary based on time frame and will examine this correlation by investigating two different decades; 2020-2010 and 2010-2020.</a:t>
+            </a:r>
+          </a:p>
+          <a:p>
+            <a:endParaRPr lang="en-US" dirty="0"/>
+          </a:p>
+        </p:txBody>
+      </p:sp>
     </p:spTree>
     <p:extLst>
       <p:ext uri="{BB962C8B-B14F-4D97-AF65-F5344CB8AC3E}">
-        <p14:creationId xmlns:p14="http://schemas.microsoft.com/office/powerpoint/2010/main" val="804231637"/>
+        <p14:creationId xmlns:p14="http://schemas.microsoft.com/office/powerpoint/2010/main" val="268519372"/>
       </p:ext>
     </p:extLst>
   </p:cSld>
@@ -5163,7 +5260,7 @@
           <p:cNvPr id="2" name="Title 1">
             <a:extLst>
               <a:ext uri="{FF2B5EF4-FFF2-40B4-BE49-F238E27FC236}">
-                <a16:creationId xmlns:a16="http://schemas.microsoft.com/office/drawing/2014/main" id="{0118B0B0-DECC-70DA-E2DF-140AC51FA6EF}"/>
+                <a16:creationId xmlns:a16="http://schemas.microsoft.com/office/drawing/2014/main" id="{A3A42826-54D5-1EB3-6D45-47E8D17E7B81}"/>
               </a:ext>
             </a:extLst>
           </p:cNvPr>
@@ -5176,7 +5273,7 @@
         </p:nvSpPr>
         <p:spPr>
           <a:xfrm>
-            <a:off x="975360" y="427393"/>
+            <a:off x="975360" y="169164"/>
             <a:ext cx="10241280" cy="1234440"/>
           </a:xfrm>
         </p:spPr>
@@ -5197,7 +5294,7 @@
           <p:cNvPr id="3" name="Content Placeholder 2">
             <a:extLst>
               <a:ext uri="{FF2B5EF4-FFF2-40B4-BE49-F238E27FC236}">
-                <a16:creationId xmlns:a16="http://schemas.microsoft.com/office/drawing/2014/main" id="{90B29EEA-C6B0-A241-90C8-C35729D9FCB4}"/>
+                <a16:creationId xmlns:a16="http://schemas.microsoft.com/office/drawing/2014/main" id="{399D6762-7C15-DF3B-989A-CC2EE7305369}"/>
               </a:ext>
             </a:extLst>
           </p:cNvPr>
@@ -5210,7 +5307,7 @@
         </p:nvSpPr>
         <p:spPr>
           <a:xfrm>
-            <a:off x="975360" y="1803505"/>
+            <a:off x="975360" y="1732254"/>
             <a:ext cx="10241280" cy="3959352"/>
           </a:xfrm>
         </p:spPr>
@@ -5227,7 +5324,10 @@
               </a:spcBef>
               <a:buNone/>
             </a:pPr>
-            <a:endParaRPr lang="en-US" dirty="0"/>
+            <a:r>
+              <a:rPr lang="en-US" sz="2400" dirty="0"/>
+              <a:t>The data was captured in two formats: JSON and XLS.</a:t>
+            </a:r>
           </a:p>
           <a:p>
             <a:pPr marL="0" indent="0" algn="ctr">
@@ -5239,23 +5339,7 @@
               </a:spcBef>
               <a:buNone/>
             </a:pPr>
-            <a:r>
-              <a:rPr lang="en-US" sz="2800" dirty="0"/>
-              <a:t>Drop rows and columns</a:t>
-            </a:r>
-            <a:endParaRPr lang="en-US" dirty="0"/>
-          </a:p>
-          <a:p>
-            <a:pPr marL="0" indent="0">
-              <a:lnSpc>
-                <a:spcPct val="100000"/>
-              </a:lnSpc>
-              <a:spcBef>
-                <a:spcPts val="0"/>
-              </a:spcBef>
-              <a:buNone/>
-            </a:pPr>
-            <a:endParaRPr lang="en-US" sz="2800" dirty="0"/>
+            <a:endParaRPr lang="en-US" sz="1200" dirty="0"/>
           </a:p>
           <a:p>
             <a:pPr marL="0" indent="0" algn="ctr">
@@ -5267,11 +5351,7 @@
               </a:spcBef>
               <a:buNone/>
             </a:pPr>
-            <a:r>
-              <a:rPr lang="en-US" sz="2800" dirty="0"/>
-              <a:t>Sort values</a:t>
-            </a:r>
-            <a:endParaRPr lang="en-US" dirty="0"/>
+            <a:endParaRPr lang="en-US" sz="1200" dirty="0"/>
           </a:p>
           <a:p>
             <a:pPr marL="0" indent="0" algn="ctr">
@@ -5283,7 +5363,7 @@
               </a:spcBef>
               <a:buNone/>
             </a:pPr>
-            <a:endParaRPr lang="en-US" sz="2800" dirty="0"/>
+            <a:endParaRPr lang="en-US" sz="1200" dirty="0"/>
           </a:p>
           <a:p>
             <a:pPr marL="0" indent="0" algn="ctr">
@@ -5296,51 +5376,76 @@
               <a:buNone/>
             </a:pPr>
             <a:r>
-              <a:rPr lang="en-US" sz="2800" dirty="0"/>
-              <a:t>Change datatypes from (FLOAT to INT)</a:t>
-            </a:r>
-          </a:p>
-          <a:p>
-            <a:pPr marL="0" indent="0" algn="ctr">
+              <a:rPr lang="en-US" sz="2400" dirty="0"/>
+              <a:t>The data was fed to a </a:t>
+            </a:r>
+            <a:r>
+              <a:rPr lang="en-US" sz="2400" dirty="0" err="1"/>
+              <a:t>Jupyter</a:t>
+            </a:r>
+            <a:r>
+              <a:rPr lang="en-US" sz="2400" dirty="0"/>
+              <a:t> NB where it was read using the following dependencies to clean the data: requests, pandas, </a:t>
+            </a:r>
+            <a:r>
+              <a:rPr lang="en-US" sz="2400" dirty="0" err="1"/>
+              <a:t>numpy</a:t>
+            </a:r>
+            <a:r>
+              <a:rPr lang="en-US" sz="2400" dirty="0"/>
+              <a:t>, </a:t>
+            </a:r>
+            <a:r>
+              <a:rPr lang="en-US" sz="2400" dirty="0" err="1"/>
+              <a:t>openpyxl</a:t>
+            </a:r>
+            <a:endParaRPr lang="en-US" sz="2400" dirty="0"/>
+          </a:p>
+          <a:p>
+            <a:pPr marL="457200" lvl="1" indent="0" algn="ctr">
               <a:lnSpc>
                 <a:spcPct val="100000"/>
               </a:lnSpc>
-              <a:spcBef>
-                <a:spcPts val="0"/>
-              </a:spcBef>
               <a:buNone/>
             </a:pPr>
-            <a:endParaRPr lang="en-US" sz="2800" dirty="0"/>
-          </a:p>
-          <a:p>
-            <a:pPr marL="0" indent="0" algn="ctr">
-              <a:lnSpc>
-                <a:spcPct val="100000"/>
-              </a:lnSpc>
-              <a:spcBef>
-                <a:spcPts val="0"/>
-              </a:spcBef>
-              <a:buNone/>
-            </a:pPr>
-            <a:r>
-              <a:rPr lang="en-US" sz="2800" dirty="0"/>
-              <a:t>Convert </a:t>
-            </a:r>
-            <a:r>
-              <a:rPr lang="en-US" sz="2800" dirty="0" err="1"/>
-              <a:t>xls</a:t>
-            </a:r>
-            <a:r>
-              <a:rPr lang="en-US" sz="2800" dirty="0"/>
-              <a:t> files to csv</a:t>
-            </a:r>
-          </a:p>
-        </p:txBody>
-      </p:sp>
+            <a:endParaRPr lang="en-US" sz="1200" dirty="0"/>
+          </a:p>
+        </p:txBody>
+      </p:sp>
+      <p:pic>
+        <p:nvPicPr>
+          <p:cNvPr id="5" name="Picture 4" descr="A close-up of a computer screen&#10;&#10;Description automatically generated">
+            <a:extLst>
+              <a:ext uri="{FF2B5EF4-FFF2-40B4-BE49-F238E27FC236}">
+                <a16:creationId xmlns:a16="http://schemas.microsoft.com/office/drawing/2014/main" id="{2802DF49-9F25-67CC-152C-90B3E2763ED3}"/>
+              </a:ext>
+            </a:extLst>
+          </p:cNvPr>
+          <p:cNvPicPr>
+            <a:picLocks noChangeAspect="1"/>
+          </p:cNvPicPr>
+          <p:nvPr/>
+        </p:nvPicPr>
+        <p:blipFill>
+          <a:blip r:embed="rId2"/>
+          <a:stretch>
+            <a:fillRect/>
+          </a:stretch>
+        </p:blipFill>
+        <p:spPr>
+          <a:xfrm>
+            <a:off x="4373560" y="3711930"/>
+            <a:ext cx="3444879" cy="1738844"/>
+          </a:xfrm>
+          <a:prstGeom prst="rect">
+            <a:avLst/>
+          </a:prstGeom>
+        </p:spPr>
+      </p:pic>
     </p:spTree>
     <p:extLst>
       <p:ext uri="{BB962C8B-B14F-4D97-AF65-F5344CB8AC3E}">
-        <p14:creationId xmlns:p14="http://schemas.microsoft.com/office/powerpoint/2010/main" val="3091736615"/>
+        <p14:creationId xmlns:p14="http://schemas.microsoft.com/office/powerpoint/2010/main" val="804231637"/>
       </p:ext>
     </p:extLst>
   </p:cSld>
@@ -5353,14 +5458,6 @@
 <file path=ppt/slides/slide5.xml><?xml version="1.0" encoding="utf-8"?>
 <p:sld xmlns:a="http://schemas.openxmlformats.org/drawingml/2006/main" xmlns:r="http://schemas.openxmlformats.org/officeDocument/2006/relationships" xmlns:p="http://schemas.openxmlformats.org/presentationml/2006/main">
   <p:cSld>
-    <p:bg>
-      <p:bgPr>
-        <a:solidFill>
-          <a:schemeClr val="bg1"/>
-        </a:solidFill>
-        <a:effectLst/>
-      </p:bgPr>
-    </p:bg>
     <p:spTree>
       <p:nvGrpSpPr>
         <p:cNvPr id="1" name=""/>
@@ -5375,432 +5472,189 @@
           <a:chExt cx="0" cy="0"/>
         </a:xfrm>
       </p:grpSpPr>
-      <p:sp useBgFill="1">
-        <p:nvSpPr>
-          <p:cNvPr id="10" name="Rectangle 9">
-            <a:extLst>
-              <a:ext uri="{FF2B5EF4-FFF2-40B4-BE49-F238E27FC236}">
-                <a16:creationId xmlns:a16="http://schemas.microsoft.com/office/drawing/2014/main" id="{E3CBB9B1-7B7D-4BA1-A1AF-572168B39539}"/>
-              </a:ext>
-              <a:ext uri="{C183D7F6-B498-43B3-948B-1728B52AA6E4}">
-                <adec:decorative xmlns:adec="http://schemas.microsoft.com/office/drawing/2017/decorative" val="1"/>
-              </a:ext>
-            </a:extLst>
-          </p:cNvPr>
-          <p:cNvSpPr>
-            <a:spLocks noGrp="1" noRot="1" noChangeAspect="1" noMove="1" noResize="1" noEditPoints="1" noAdjustHandles="1" noChangeArrowheads="1" noChangeShapeType="1" noTextEdit="1"/>
-          </p:cNvSpPr>
-          <p:nvPr>
-            <p:extLst>
-              <p:ext uri="{386F3935-93C4-4BCD-93E2-E3B085C9AB24}">
-                <p16:designElem xmlns:p16="http://schemas.microsoft.com/office/powerpoint/2015/main" val="1"/>
-              </p:ext>
-            </p:extLst>
+      <p:sp>
+        <p:nvSpPr>
+          <p:cNvPr id="2" name="Title 1">
+            <a:extLst>
+              <a:ext uri="{FF2B5EF4-FFF2-40B4-BE49-F238E27FC236}">
+                <a16:creationId xmlns:a16="http://schemas.microsoft.com/office/drawing/2014/main" id="{0118B0B0-DECC-70DA-E2DF-140AC51FA6EF}"/>
+              </a:ext>
+            </a:extLst>
+          </p:cNvPr>
+          <p:cNvSpPr>
+            <a:spLocks noGrp="1"/>
+          </p:cNvSpPr>
+          <p:nvPr>
+            <p:ph type="title"/>
           </p:nvPr>
         </p:nvSpPr>
         <p:spPr>
           <a:xfrm>
-            <a:off x="0" y="0"/>
-            <a:ext cx="12192000" cy="6858000"/>
-          </a:xfrm>
-          <a:prstGeom prst="rect">
-            <a:avLst/>
-          </a:prstGeom>
-          <a:ln w="12700" cap="flat" cmpd="sng" algn="ctr">
-            <a:noFill/>
-            <a:prstDash val="solid"/>
-            <a:miter lim="800000"/>
-          </a:ln>
-          <a:effectLst/>
-          <a:extLst>
-            <a:ext uri="{91240B29-F687-4F45-9708-019B960494DF}">
-              <a14:hiddenLine xmlns:a14="http://schemas.microsoft.com/office/drawing/2010/main" w="12700" cap="flat" cmpd="sng" algn="ctr">
-                <a:solidFill>
-                  <a:schemeClr val="accent1">
-                    <a:shade val="50000"/>
-                  </a:schemeClr>
-                </a:solidFill>
-                <a:prstDash val="solid"/>
-                <a:miter lim="800000"/>
-              </a14:hiddenLine>
-            </a:ext>
-          </a:extLst>
-        </p:spPr>
-        <p:style>
-          <a:lnRef idx="2">
-            <a:schemeClr val="accent1">
-              <a:shade val="50000"/>
-            </a:schemeClr>
-          </a:lnRef>
-          <a:fillRef idx="1">
-            <a:schemeClr val="accent1"/>
-          </a:fillRef>
-          <a:effectRef idx="0">
-            <a:schemeClr val="accent1"/>
-          </a:effectRef>
-          <a:fontRef idx="minor">
-            <a:schemeClr val="lt1"/>
-          </a:fontRef>
-        </p:style>
-        <p:txBody>
-          <a:bodyPr rtlCol="0" anchor="ctr"/>
+            <a:off x="975360" y="427393"/>
+            <a:ext cx="10241280" cy="1234440"/>
+          </a:xfrm>
+        </p:spPr>
+        <p:txBody>
+          <a:bodyPr/>
           <a:lstStyle/>
           <a:p>
             <a:pPr algn="ctr"/>
-            <a:endParaRPr lang="en-US"/>
-          </a:p>
-        </p:txBody>
-      </p:sp>
-      <p:sp>
-        <p:nvSpPr>
-          <p:cNvPr id="2" name="Title 1">
-            <a:extLst>
-              <a:ext uri="{FF2B5EF4-FFF2-40B4-BE49-F238E27FC236}">
-                <a16:creationId xmlns:a16="http://schemas.microsoft.com/office/drawing/2014/main" id="{EB039E6A-0305-1949-8230-829D3D1FFF57}"/>
-              </a:ext>
-            </a:extLst>
-          </p:cNvPr>
-          <p:cNvSpPr>
-            <a:spLocks noGrp="1"/>
-          </p:cNvSpPr>
-          <p:nvPr>
-            <p:ph type="title"/>
+            <a:r>
+              <a:rPr lang="en-US" dirty="0"/>
+              <a:t>Data transformation</a:t>
+            </a:r>
+          </a:p>
+        </p:txBody>
+      </p:sp>
+      <p:sp>
+        <p:nvSpPr>
+          <p:cNvPr id="3" name="Content Placeholder 2">
+            <a:extLst>
+              <a:ext uri="{FF2B5EF4-FFF2-40B4-BE49-F238E27FC236}">
+                <a16:creationId xmlns:a16="http://schemas.microsoft.com/office/drawing/2014/main" id="{90B29EEA-C6B0-A241-90C8-C35729D9FCB4}"/>
+              </a:ext>
+            </a:extLst>
+          </p:cNvPr>
+          <p:cNvSpPr>
+            <a:spLocks noGrp="1"/>
+          </p:cNvSpPr>
+          <p:nvPr>
+            <p:ph idx="1"/>
           </p:nvPr>
         </p:nvSpPr>
         <p:spPr>
           <a:xfrm>
-            <a:off x="8643193" y="35505"/>
-            <a:ext cx="3091607" cy="1057025"/>
-          </a:xfrm>
-        </p:spPr>
-        <p:txBody>
-          <a:bodyPr anchor="b">
-            <a:normAutofit/>
-          </a:bodyPr>
-          <a:lstStyle/>
-          <a:p>
-            <a:pPr algn="ctr"/>
-            <a:r>
-              <a:rPr lang="en-US" sz="2800" dirty="0"/>
-              <a:t>DATABASE</a:t>
-            </a:r>
-          </a:p>
-        </p:txBody>
-      </p:sp>
-      <p:pic>
-        <p:nvPicPr>
-          <p:cNvPr id="5" name="Picture 4" descr="A screenshot of a computer&#10;&#10;Description automatically generated">
-            <a:extLst>
-              <a:ext uri="{FF2B5EF4-FFF2-40B4-BE49-F238E27FC236}">
-                <a16:creationId xmlns:a16="http://schemas.microsoft.com/office/drawing/2014/main" id="{E2FFCCFF-0FA0-0EF3-5F8C-BF4BDE0E1A95}"/>
-              </a:ext>
-            </a:extLst>
-          </p:cNvPr>
-          <p:cNvPicPr>
-            <a:picLocks noChangeAspect="1"/>
-          </p:cNvPicPr>
-          <p:nvPr/>
-        </p:nvPicPr>
-        <p:blipFill rotWithShape="1">
-          <a:blip r:embed="rId2"/>
-          <a:srcRect b="25575"/>
-          <a:stretch/>
-        </p:blipFill>
-        <p:spPr>
-          <a:xfrm>
-            <a:off x="20" y="431"/>
-            <a:ext cx="8115280" cy="6408311"/>
-          </a:xfrm>
-          <a:prstGeom prst="rect">
-            <a:avLst/>
-          </a:prstGeom>
-        </p:spPr>
-      </p:pic>
-      <p:sp>
-        <p:nvSpPr>
-          <p:cNvPr id="3" name="Content Placeholder 2">
-            <a:extLst>
-              <a:ext uri="{FF2B5EF4-FFF2-40B4-BE49-F238E27FC236}">
-                <a16:creationId xmlns:a16="http://schemas.microsoft.com/office/drawing/2014/main" id="{AC6F3BD1-47DE-DDF3-239E-18A15D8C45D3}"/>
-              </a:ext>
-            </a:extLst>
-          </p:cNvPr>
-          <p:cNvSpPr>
-            <a:spLocks noGrp="1"/>
-          </p:cNvSpPr>
-          <p:nvPr>
-            <p:ph idx="1"/>
-          </p:nvPr>
-        </p:nvSpPr>
-        <p:spPr>
-          <a:xfrm>
-            <a:off x="8229601" y="1341912"/>
-            <a:ext cx="3859480" cy="4616761"/>
-          </a:xfrm>
-        </p:spPr>
-        <p:txBody>
-          <a:bodyPr>
-            <a:normAutofit/>
-          </a:bodyPr>
-          <a:lstStyle/>
-          <a:p>
-            <a:pPr marL="0" indent="0">
-              <a:buNone/>
-            </a:pPr>
-            <a:endParaRPr lang="en-US" sz="1400" dirty="0"/>
-          </a:p>
-          <a:p>
-            <a:pPr marL="0" indent="0" algn="ctr">
-              <a:buNone/>
-            </a:pPr>
-            <a:r>
-              <a:rPr lang="en-US" sz="2400" dirty="0"/>
-              <a:t> Used an ERD Schema to create tables </a:t>
-            </a:r>
-          </a:p>
+            <a:off x="975360" y="1803505"/>
+            <a:ext cx="10241280" cy="3959352"/>
+          </a:xfrm>
+        </p:spPr>
+        <p:txBody>
+          <a:bodyPr/>
+          <a:lstStyle/>
           <a:p>
             <a:pPr marL="0" indent="0" algn="ctr">
               <a:lnSpc>
                 <a:spcPct val="100000"/>
               </a:lnSpc>
+              <a:spcBef>
+                <a:spcPts val="0"/>
+              </a:spcBef>
               <a:buNone/>
             </a:pPr>
-            <a:endParaRPr lang="en-US" sz="2400" dirty="0"/>
+            <a:endParaRPr lang="en-US" dirty="0"/>
           </a:p>
           <a:p>
             <a:pPr marL="0" indent="0" algn="ctr">
               <a:lnSpc>
                 <a:spcPct val="100000"/>
               </a:lnSpc>
+              <a:spcBef>
+                <a:spcPts val="0"/>
+              </a:spcBef>
               <a:buNone/>
             </a:pPr>
             <a:r>
-              <a:rPr lang="en-US" sz="2400" dirty="0"/>
-              <a:t>Housed the data we imported in SQL / Postgres</a:t>
-            </a:r>
+              <a:rPr lang="en-US" sz="2800" dirty="0"/>
+              <a:t>Drop rows and columns</a:t>
+            </a:r>
+            <a:endParaRPr lang="en-US" dirty="0"/>
+          </a:p>
+          <a:p>
+            <a:pPr marL="0" indent="0">
+              <a:lnSpc>
+                <a:spcPct val="100000"/>
+              </a:lnSpc>
+              <a:spcBef>
+                <a:spcPts val="0"/>
+              </a:spcBef>
+              <a:buNone/>
+            </a:pPr>
+            <a:endParaRPr lang="en-US" sz="2800" dirty="0"/>
           </a:p>
           <a:p>
             <a:pPr marL="0" indent="0" algn="ctr">
               <a:lnSpc>
                 <a:spcPct val="100000"/>
               </a:lnSpc>
+              <a:spcBef>
+                <a:spcPts val="0"/>
+              </a:spcBef>
               <a:buNone/>
             </a:pPr>
-            <a:endParaRPr lang="en-US" sz="2400" dirty="0"/>
+            <a:r>
+              <a:rPr lang="en-US" sz="2800" dirty="0"/>
+              <a:t>Sort values</a:t>
+            </a:r>
+            <a:endParaRPr lang="en-US" dirty="0"/>
           </a:p>
           <a:p>
             <a:pPr marL="0" indent="0" algn="ctr">
               <a:lnSpc>
                 <a:spcPct val="100000"/>
               </a:lnSpc>
+              <a:spcBef>
+                <a:spcPts val="0"/>
+              </a:spcBef>
               <a:buNone/>
             </a:pPr>
-            <a:r>
-              <a:rPr lang="en-US" sz="2400" dirty="0"/>
-              <a:t>Then created unique datasets by combining this data</a:t>
-            </a:r>
-          </a:p>
-          <a:p>
-            <a:pPr marL="0" indent="0">
+            <a:endParaRPr lang="en-US" sz="2800" dirty="0"/>
+          </a:p>
+          <a:p>
+            <a:pPr marL="0" indent="0" algn="ctr">
+              <a:lnSpc>
+                <a:spcPct val="100000"/>
+              </a:lnSpc>
+              <a:spcBef>
+                <a:spcPts val="0"/>
+              </a:spcBef>
               <a:buNone/>
             </a:pPr>
             <a:r>
-              <a:rPr lang="en-US" sz="1400" dirty="0"/>
-              <a:t> </a:t>
-            </a:r>
-          </a:p>
-          <a:p>
-            <a:pPr marL="0" indent="0">
+              <a:rPr lang="en-US" sz="2800" dirty="0"/>
+              <a:t>Change datatypes from (FLOAT to INT)</a:t>
+            </a:r>
+          </a:p>
+          <a:p>
+            <a:pPr marL="0" indent="0" algn="ctr">
+              <a:lnSpc>
+                <a:spcPct val="100000"/>
+              </a:lnSpc>
+              <a:spcBef>
+                <a:spcPts val="0"/>
+              </a:spcBef>
               <a:buNone/>
             </a:pPr>
-            <a:endParaRPr lang="en-US" sz="1400" dirty="0"/>
-          </a:p>
-          <a:p>
-            <a:pPr marL="0" indent="0">
+            <a:endParaRPr lang="en-US" sz="2800" dirty="0"/>
+          </a:p>
+          <a:p>
+            <a:pPr marL="0" indent="0" algn="ctr">
+              <a:lnSpc>
+                <a:spcPct val="100000"/>
+              </a:lnSpc>
+              <a:spcBef>
+                <a:spcPts val="0"/>
+              </a:spcBef>
               <a:buNone/>
             </a:pPr>
-            <a:endParaRPr lang="en-US" sz="1400" dirty="0"/>
-          </a:p>
-          <a:p>
-            <a:pPr marL="0" indent="0">
-              <a:buNone/>
-            </a:pPr>
-            <a:endParaRPr lang="en-US" sz="1400" dirty="0"/>
-          </a:p>
-          <a:p>
-            <a:pPr marL="0" indent="0">
-              <a:buNone/>
-            </a:pPr>
-            <a:endParaRPr lang="en-US" sz="1400" dirty="0"/>
-          </a:p>
-          <a:p>
-            <a:pPr marL="0" indent="0">
-              <a:buNone/>
-            </a:pPr>
-            <a:endParaRPr lang="en-US" sz="1400" dirty="0"/>
-          </a:p>
-          <a:p>
-            <a:pPr marL="0" indent="0">
-              <a:buNone/>
-            </a:pPr>
-            <a:endParaRPr lang="en-US" sz="1400" dirty="0"/>
-          </a:p>
-        </p:txBody>
-      </p:sp>
-      <p:sp>
-        <p:nvSpPr>
-          <p:cNvPr id="12" name="Rectangle 11">
-            <a:extLst>
-              <a:ext uri="{FF2B5EF4-FFF2-40B4-BE49-F238E27FC236}">
-                <a16:creationId xmlns:a16="http://schemas.microsoft.com/office/drawing/2014/main" id="{907741FC-B544-4A6E-B831-6789D042333D}"/>
-              </a:ext>
-              <a:ext uri="{C183D7F6-B498-43B3-948B-1728B52AA6E4}">
-                <adec:decorative xmlns:adec="http://schemas.microsoft.com/office/drawing/2017/decorative" val="1"/>
-              </a:ext>
-            </a:extLst>
-          </p:cNvPr>
-          <p:cNvSpPr>
-            <a:spLocks noGrp="1" noRot="1" noChangeAspect="1" noMove="1" noResize="1" noEditPoints="1" noAdjustHandles="1" noChangeArrowheads="1" noChangeShapeType="1" noTextEdit="1"/>
-          </p:cNvSpPr>
-          <p:nvPr>
-            <p:extLst>
-              <p:ext uri="{386F3935-93C4-4BCD-93E2-E3B085C9AB24}">
-                <p16:designElem xmlns:p16="http://schemas.microsoft.com/office/powerpoint/2015/main" val="1"/>
-              </p:ext>
-            </p:extLst>
-          </p:nvPr>
-        </p:nvSpPr>
-        <p:spPr>
-          <a:xfrm flipH="1">
-            <a:off x="-1" y="6408741"/>
-            <a:ext cx="12191998" cy="449257"/>
-          </a:xfrm>
-          <a:prstGeom prst="rect">
-            <a:avLst/>
-          </a:prstGeom>
-          <a:gradFill>
-            <a:gsLst>
-              <a:gs pos="34000">
-                <a:schemeClr val="accent4">
-                  <a:alpha val="73000"/>
-                </a:schemeClr>
-              </a:gs>
-              <a:gs pos="100000">
-                <a:schemeClr val="accent5">
-                  <a:alpha val="89000"/>
-                </a:schemeClr>
-              </a:gs>
-            </a:gsLst>
-            <a:lin ang="8400000" scaled="0"/>
-          </a:gradFill>
-          <a:ln>
-            <a:noFill/>
-          </a:ln>
-        </p:spPr>
-        <p:style>
-          <a:lnRef idx="2">
-            <a:schemeClr val="accent1">
-              <a:shade val="50000"/>
-            </a:schemeClr>
-          </a:lnRef>
-          <a:fillRef idx="1">
-            <a:schemeClr val="accent1"/>
-          </a:fillRef>
-          <a:effectRef idx="0">
-            <a:schemeClr val="accent1"/>
-          </a:effectRef>
-          <a:fontRef idx="minor">
-            <a:schemeClr val="lt1"/>
-          </a:fontRef>
-        </p:style>
-        <p:txBody>
-          <a:bodyPr rtlCol="0" anchor="ctr"/>
-          <a:lstStyle/>
-          <a:p>
-            <a:pPr algn="ctr"/>
-            <a:endParaRPr lang="en-US"/>
-          </a:p>
-        </p:txBody>
-      </p:sp>
-      <p:sp>
-        <p:nvSpPr>
-          <p:cNvPr id="14" name="Rectangle 13">
-            <a:extLst>
-              <a:ext uri="{FF2B5EF4-FFF2-40B4-BE49-F238E27FC236}">
-                <a16:creationId xmlns:a16="http://schemas.microsoft.com/office/drawing/2014/main" id="{3F0BE7ED-7814-4273-B18A-F26CC0380380}"/>
-              </a:ext>
-              <a:ext uri="{C183D7F6-B498-43B3-948B-1728B52AA6E4}">
-                <adec:decorative xmlns:adec="http://schemas.microsoft.com/office/drawing/2017/decorative" val="1"/>
-              </a:ext>
-            </a:extLst>
-          </p:cNvPr>
-          <p:cNvSpPr>
-            <a:spLocks noGrp="1" noRot="1" noChangeAspect="1" noMove="1" noResize="1" noEditPoints="1" noAdjustHandles="1" noChangeArrowheads="1" noChangeShapeType="1" noTextEdit="1"/>
-          </p:cNvSpPr>
-          <p:nvPr>
-            <p:extLst>
-              <p:ext uri="{386F3935-93C4-4BCD-93E2-E3B085C9AB24}">
-                <p16:designElem xmlns:p16="http://schemas.microsoft.com/office/powerpoint/2015/main" val="1"/>
-              </p:ext>
-            </p:extLst>
-          </p:nvPr>
-        </p:nvSpPr>
-        <p:spPr>
-          <a:xfrm flipH="1">
-            <a:off x="0" y="6408314"/>
-            <a:ext cx="8115300" cy="449258"/>
-          </a:xfrm>
-          <a:prstGeom prst="rect">
-            <a:avLst/>
-          </a:prstGeom>
-          <a:gradFill>
-            <a:gsLst>
-              <a:gs pos="22000">
-                <a:schemeClr val="accent5">
-                  <a:lumMod val="60000"/>
-                  <a:lumOff val="40000"/>
-                  <a:alpha val="55000"/>
-                </a:schemeClr>
-              </a:gs>
-              <a:gs pos="99000">
-                <a:schemeClr val="accent2"/>
-              </a:gs>
-            </a:gsLst>
-            <a:lin ang="11400000" scaled="0"/>
-          </a:gradFill>
-          <a:ln>
-            <a:noFill/>
-          </a:ln>
-        </p:spPr>
-        <p:style>
-          <a:lnRef idx="2">
-            <a:schemeClr val="accent1">
-              <a:shade val="50000"/>
-            </a:schemeClr>
-          </a:lnRef>
-          <a:fillRef idx="1">
-            <a:schemeClr val="accent1"/>
-          </a:fillRef>
-          <a:effectRef idx="0">
-            <a:schemeClr val="accent1"/>
-          </a:effectRef>
-          <a:fontRef idx="minor">
-            <a:schemeClr val="lt1"/>
-          </a:fontRef>
-        </p:style>
-        <p:txBody>
-          <a:bodyPr rtlCol="0" anchor="ctr"/>
-          <a:lstStyle/>
-          <a:p>
-            <a:pPr algn="ctr"/>
-            <a:endParaRPr lang="en-US"/>
+            <a:r>
+              <a:rPr lang="en-US" sz="2800" dirty="0"/>
+              <a:t>Convert </a:t>
+            </a:r>
+            <a:r>
+              <a:rPr lang="en-US" sz="2800" dirty="0" err="1"/>
+              <a:t>xls</a:t>
+            </a:r>
+            <a:r>
+              <a:rPr lang="en-US" sz="2800" dirty="0"/>
+              <a:t> files to csv</a:t>
+            </a:r>
           </a:p>
         </p:txBody>
       </p:sp>
     </p:spTree>
     <p:extLst>
       <p:ext uri="{BB962C8B-B14F-4D97-AF65-F5344CB8AC3E}">
-        <p14:creationId xmlns:p14="http://schemas.microsoft.com/office/powerpoint/2010/main" val="614084650"/>
+        <p14:creationId xmlns:p14="http://schemas.microsoft.com/office/powerpoint/2010/main" val="3091736615"/>
       </p:ext>
     </p:extLst>
   </p:cSld>
@@ -5840,7 +5694,7 @@
           <p:cNvPr id="10" name="Rectangle 9">
             <a:extLst>
               <a:ext uri="{FF2B5EF4-FFF2-40B4-BE49-F238E27FC236}">
-                <a16:creationId xmlns:a16="http://schemas.microsoft.com/office/drawing/2014/main" id="{1B15ED52-F352-441B-82BF-E0EA34836D08}"/>
+                <a16:creationId xmlns:a16="http://schemas.microsoft.com/office/drawing/2014/main" id="{E3CBB9B1-7B7D-4BA1-A1AF-572168B39539}"/>
               </a:ext>
               <a:ext uri="{C183D7F6-B498-43B3-948B-1728B52AA6E4}">
                 <adec:decorative xmlns:adec="http://schemas.microsoft.com/office/drawing/2017/decorative" val="1"/>
@@ -5916,6 +5770,466 @@
           <p:cNvPr id="2" name="Title 1">
             <a:extLst>
               <a:ext uri="{FF2B5EF4-FFF2-40B4-BE49-F238E27FC236}">
+                <a16:creationId xmlns:a16="http://schemas.microsoft.com/office/drawing/2014/main" id="{EB039E6A-0305-1949-8230-829D3D1FFF57}"/>
+              </a:ext>
+            </a:extLst>
+          </p:cNvPr>
+          <p:cNvSpPr>
+            <a:spLocks noGrp="1"/>
+          </p:cNvSpPr>
+          <p:nvPr>
+            <p:ph type="title"/>
+          </p:nvPr>
+        </p:nvSpPr>
+        <p:spPr>
+          <a:xfrm>
+            <a:off x="8643193" y="35505"/>
+            <a:ext cx="3091607" cy="1057025"/>
+          </a:xfrm>
+        </p:spPr>
+        <p:txBody>
+          <a:bodyPr anchor="b">
+            <a:normAutofit/>
+          </a:bodyPr>
+          <a:lstStyle/>
+          <a:p>
+            <a:pPr algn="ctr"/>
+            <a:r>
+              <a:rPr lang="en-US" sz="2800" dirty="0"/>
+              <a:t>DATABASE</a:t>
+            </a:r>
+          </a:p>
+        </p:txBody>
+      </p:sp>
+      <p:pic>
+        <p:nvPicPr>
+          <p:cNvPr id="5" name="Picture 4" descr="A screenshot of a computer&#10;&#10;Description automatically generated">
+            <a:extLst>
+              <a:ext uri="{FF2B5EF4-FFF2-40B4-BE49-F238E27FC236}">
+                <a16:creationId xmlns:a16="http://schemas.microsoft.com/office/drawing/2014/main" id="{E2FFCCFF-0FA0-0EF3-5F8C-BF4BDE0E1A95}"/>
+              </a:ext>
+            </a:extLst>
+          </p:cNvPr>
+          <p:cNvPicPr>
+            <a:picLocks noChangeAspect="1"/>
+          </p:cNvPicPr>
+          <p:nvPr/>
+        </p:nvPicPr>
+        <p:blipFill rotWithShape="1">
+          <a:blip r:embed="rId2"/>
+          <a:srcRect b="25575"/>
+          <a:stretch/>
+        </p:blipFill>
+        <p:spPr>
+          <a:xfrm>
+            <a:off x="20" y="431"/>
+            <a:ext cx="8115280" cy="6408311"/>
+          </a:xfrm>
+          <a:prstGeom prst="rect">
+            <a:avLst/>
+          </a:prstGeom>
+        </p:spPr>
+      </p:pic>
+      <p:sp>
+        <p:nvSpPr>
+          <p:cNvPr id="3" name="Content Placeholder 2">
+            <a:extLst>
+              <a:ext uri="{FF2B5EF4-FFF2-40B4-BE49-F238E27FC236}">
+                <a16:creationId xmlns:a16="http://schemas.microsoft.com/office/drawing/2014/main" id="{AC6F3BD1-47DE-DDF3-239E-18A15D8C45D3}"/>
+              </a:ext>
+            </a:extLst>
+          </p:cNvPr>
+          <p:cNvSpPr>
+            <a:spLocks noGrp="1"/>
+          </p:cNvSpPr>
+          <p:nvPr>
+            <p:ph idx="1"/>
+          </p:nvPr>
+        </p:nvSpPr>
+        <p:spPr>
+          <a:xfrm>
+            <a:off x="8229601" y="1341912"/>
+            <a:ext cx="3859480" cy="4616761"/>
+          </a:xfrm>
+        </p:spPr>
+        <p:txBody>
+          <a:bodyPr>
+            <a:normAutofit/>
+          </a:bodyPr>
+          <a:lstStyle/>
+          <a:p>
+            <a:pPr marL="0" indent="0">
+              <a:buNone/>
+            </a:pPr>
+            <a:endParaRPr lang="en-US" sz="1400" dirty="0"/>
+          </a:p>
+          <a:p>
+            <a:pPr marL="0" indent="0" algn="ctr">
+              <a:buNone/>
+            </a:pPr>
+            <a:r>
+              <a:rPr lang="en-US" sz="2400" dirty="0"/>
+              <a:t> Used an ERD Schema to create tables </a:t>
+            </a:r>
+          </a:p>
+          <a:p>
+            <a:pPr marL="0" indent="0" algn="ctr">
+              <a:lnSpc>
+                <a:spcPct val="100000"/>
+              </a:lnSpc>
+              <a:buNone/>
+            </a:pPr>
+            <a:endParaRPr lang="en-US" sz="2400" dirty="0"/>
+          </a:p>
+          <a:p>
+            <a:pPr marL="0" indent="0" algn="ctr">
+              <a:lnSpc>
+                <a:spcPct val="100000"/>
+              </a:lnSpc>
+              <a:buNone/>
+            </a:pPr>
+            <a:r>
+              <a:rPr lang="en-US" sz="2400" dirty="0"/>
+              <a:t>Housed the data we imported in SQL / Postgres</a:t>
+            </a:r>
+          </a:p>
+          <a:p>
+            <a:pPr marL="0" indent="0" algn="ctr">
+              <a:lnSpc>
+                <a:spcPct val="100000"/>
+              </a:lnSpc>
+              <a:buNone/>
+            </a:pPr>
+            <a:endParaRPr lang="en-US" sz="2400" dirty="0"/>
+          </a:p>
+          <a:p>
+            <a:pPr marL="0" indent="0" algn="ctr">
+              <a:lnSpc>
+                <a:spcPct val="100000"/>
+              </a:lnSpc>
+              <a:buNone/>
+            </a:pPr>
+            <a:r>
+              <a:rPr lang="en-US" sz="2400" dirty="0"/>
+              <a:t>Then created unique datasets by combining this data</a:t>
+            </a:r>
+          </a:p>
+          <a:p>
+            <a:pPr marL="0" indent="0">
+              <a:buNone/>
+            </a:pPr>
+            <a:r>
+              <a:rPr lang="en-US" sz="1400" dirty="0"/>
+              <a:t> </a:t>
+            </a:r>
+          </a:p>
+          <a:p>
+            <a:pPr marL="0" indent="0">
+              <a:buNone/>
+            </a:pPr>
+            <a:endParaRPr lang="en-US" sz="1400" dirty="0"/>
+          </a:p>
+          <a:p>
+            <a:pPr marL="0" indent="0">
+              <a:buNone/>
+            </a:pPr>
+            <a:endParaRPr lang="en-US" sz="1400" dirty="0"/>
+          </a:p>
+          <a:p>
+            <a:pPr marL="0" indent="0">
+              <a:buNone/>
+            </a:pPr>
+            <a:endParaRPr lang="en-US" sz="1400" dirty="0"/>
+          </a:p>
+          <a:p>
+            <a:pPr marL="0" indent="0">
+              <a:buNone/>
+            </a:pPr>
+            <a:endParaRPr lang="en-US" sz="1400" dirty="0"/>
+          </a:p>
+          <a:p>
+            <a:pPr marL="0" indent="0">
+              <a:buNone/>
+            </a:pPr>
+            <a:endParaRPr lang="en-US" sz="1400" dirty="0"/>
+          </a:p>
+          <a:p>
+            <a:pPr marL="0" indent="0">
+              <a:buNone/>
+            </a:pPr>
+            <a:endParaRPr lang="en-US" sz="1400" dirty="0"/>
+          </a:p>
+        </p:txBody>
+      </p:sp>
+      <p:sp>
+        <p:nvSpPr>
+          <p:cNvPr id="12" name="Rectangle 11">
+            <a:extLst>
+              <a:ext uri="{FF2B5EF4-FFF2-40B4-BE49-F238E27FC236}">
+                <a16:creationId xmlns:a16="http://schemas.microsoft.com/office/drawing/2014/main" id="{907741FC-B544-4A6E-B831-6789D042333D}"/>
+              </a:ext>
+              <a:ext uri="{C183D7F6-B498-43B3-948B-1728B52AA6E4}">
+                <adec:decorative xmlns:adec="http://schemas.microsoft.com/office/drawing/2017/decorative" val="1"/>
+              </a:ext>
+            </a:extLst>
+          </p:cNvPr>
+          <p:cNvSpPr>
+            <a:spLocks noGrp="1" noRot="1" noChangeAspect="1" noMove="1" noResize="1" noEditPoints="1" noAdjustHandles="1" noChangeArrowheads="1" noChangeShapeType="1" noTextEdit="1"/>
+          </p:cNvSpPr>
+          <p:nvPr>
+            <p:extLst>
+              <p:ext uri="{386F3935-93C4-4BCD-93E2-E3B085C9AB24}">
+                <p16:designElem xmlns:p16="http://schemas.microsoft.com/office/powerpoint/2015/main" val="1"/>
+              </p:ext>
+            </p:extLst>
+          </p:nvPr>
+        </p:nvSpPr>
+        <p:spPr>
+          <a:xfrm flipH="1">
+            <a:off x="-1" y="6408741"/>
+            <a:ext cx="12191998" cy="449257"/>
+          </a:xfrm>
+          <a:prstGeom prst="rect">
+            <a:avLst/>
+          </a:prstGeom>
+          <a:gradFill>
+            <a:gsLst>
+              <a:gs pos="34000">
+                <a:schemeClr val="accent4">
+                  <a:alpha val="73000"/>
+                </a:schemeClr>
+              </a:gs>
+              <a:gs pos="100000">
+                <a:schemeClr val="accent5">
+                  <a:alpha val="89000"/>
+                </a:schemeClr>
+              </a:gs>
+            </a:gsLst>
+            <a:lin ang="8400000" scaled="0"/>
+          </a:gradFill>
+          <a:ln>
+            <a:noFill/>
+          </a:ln>
+        </p:spPr>
+        <p:style>
+          <a:lnRef idx="2">
+            <a:schemeClr val="accent1">
+              <a:shade val="50000"/>
+            </a:schemeClr>
+          </a:lnRef>
+          <a:fillRef idx="1">
+            <a:schemeClr val="accent1"/>
+          </a:fillRef>
+          <a:effectRef idx="0">
+            <a:schemeClr val="accent1"/>
+          </a:effectRef>
+          <a:fontRef idx="minor">
+            <a:schemeClr val="lt1"/>
+          </a:fontRef>
+        </p:style>
+        <p:txBody>
+          <a:bodyPr rtlCol="0" anchor="ctr"/>
+          <a:lstStyle/>
+          <a:p>
+            <a:pPr algn="ctr"/>
+            <a:endParaRPr lang="en-US"/>
+          </a:p>
+        </p:txBody>
+      </p:sp>
+      <p:sp>
+        <p:nvSpPr>
+          <p:cNvPr id="14" name="Rectangle 13">
+            <a:extLst>
+              <a:ext uri="{FF2B5EF4-FFF2-40B4-BE49-F238E27FC236}">
+                <a16:creationId xmlns:a16="http://schemas.microsoft.com/office/drawing/2014/main" id="{3F0BE7ED-7814-4273-B18A-F26CC0380380}"/>
+              </a:ext>
+              <a:ext uri="{C183D7F6-B498-43B3-948B-1728B52AA6E4}">
+                <adec:decorative xmlns:adec="http://schemas.microsoft.com/office/drawing/2017/decorative" val="1"/>
+              </a:ext>
+            </a:extLst>
+          </p:cNvPr>
+          <p:cNvSpPr>
+            <a:spLocks noGrp="1" noRot="1" noChangeAspect="1" noMove="1" noResize="1" noEditPoints="1" noAdjustHandles="1" noChangeArrowheads="1" noChangeShapeType="1" noTextEdit="1"/>
+          </p:cNvSpPr>
+          <p:nvPr>
+            <p:extLst>
+              <p:ext uri="{386F3935-93C4-4BCD-93E2-E3B085C9AB24}">
+                <p16:designElem xmlns:p16="http://schemas.microsoft.com/office/powerpoint/2015/main" val="1"/>
+              </p:ext>
+            </p:extLst>
+          </p:nvPr>
+        </p:nvSpPr>
+        <p:spPr>
+          <a:xfrm flipH="1">
+            <a:off x="0" y="6408314"/>
+            <a:ext cx="8115300" cy="449258"/>
+          </a:xfrm>
+          <a:prstGeom prst="rect">
+            <a:avLst/>
+          </a:prstGeom>
+          <a:gradFill>
+            <a:gsLst>
+              <a:gs pos="22000">
+                <a:schemeClr val="accent5">
+                  <a:lumMod val="60000"/>
+                  <a:lumOff val="40000"/>
+                  <a:alpha val="55000"/>
+                </a:schemeClr>
+              </a:gs>
+              <a:gs pos="99000">
+                <a:schemeClr val="accent2"/>
+              </a:gs>
+            </a:gsLst>
+            <a:lin ang="11400000" scaled="0"/>
+          </a:gradFill>
+          <a:ln>
+            <a:noFill/>
+          </a:ln>
+        </p:spPr>
+        <p:style>
+          <a:lnRef idx="2">
+            <a:schemeClr val="accent1">
+              <a:shade val="50000"/>
+            </a:schemeClr>
+          </a:lnRef>
+          <a:fillRef idx="1">
+            <a:schemeClr val="accent1"/>
+          </a:fillRef>
+          <a:effectRef idx="0">
+            <a:schemeClr val="accent1"/>
+          </a:effectRef>
+          <a:fontRef idx="minor">
+            <a:schemeClr val="lt1"/>
+          </a:fontRef>
+        </p:style>
+        <p:txBody>
+          <a:bodyPr rtlCol="0" anchor="ctr"/>
+          <a:lstStyle/>
+          <a:p>
+            <a:pPr algn="ctr"/>
+            <a:endParaRPr lang="en-US"/>
+          </a:p>
+        </p:txBody>
+      </p:sp>
+    </p:spTree>
+    <p:extLst>
+      <p:ext uri="{BB962C8B-B14F-4D97-AF65-F5344CB8AC3E}">
+        <p14:creationId xmlns:p14="http://schemas.microsoft.com/office/powerpoint/2010/main" val="614084650"/>
+      </p:ext>
+    </p:extLst>
+  </p:cSld>
+  <p:clrMapOvr>
+    <a:masterClrMapping/>
+  </p:clrMapOvr>
+</p:sld>
+</file>
+
+<file path=ppt/slides/slide7.xml><?xml version="1.0" encoding="utf-8"?>
+<p:sld xmlns:a="http://schemas.openxmlformats.org/drawingml/2006/main" xmlns:r="http://schemas.openxmlformats.org/officeDocument/2006/relationships" xmlns:p="http://schemas.openxmlformats.org/presentationml/2006/main">
+  <p:cSld>
+    <p:bg>
+      <p:bgPr>
+        <a:solidFill>
+          <a:schemeClr val="bg1"/>
+        </a:solidFill>
+        <a:effectLst/>
+      </p:bgPr>
+    </p:bg>
+    <p:spTree>
+      <p:nvGrpSpPr>
+        <p:cNvPr id="1" name=""/>
+        <p:cNvGrpSpPr/>
+        <p:nvPr/>
+      </p:nvGrpSpPr>
+      <p:grpSpPr>
+        <a:xfrm>
+          <a:off x="0" y="0"/>
+          <a:ext cx="0" cy="0"/>
+          <a:chOff x="0" y="0"/>
+          <a:chExt cx="0" cy="0"/>
+        </a:xfrm>
+      </p:grpSpPr>
+      <p:sp useBgFill="1">
+        <p:nvSpPr>
+          <p:cNvPr id="10" name="Rectangle 9">
+            <a:extLst>
+              <a:ext uri="{FF2B5EF4-FFF2-40B4-BE49-F238E27FC236}">
+                <a16:creationId xmlns:a16="http://schemas.microsoft.com/office/drawing/2014/main" id="{1B15ED52-F352-441B-82BF-E0EA34836D08}"/>
+              </a:ext>
+              <a:ext uri="{C183D7F6-B498-43B3-948B-1728B52AA6E4}">
+                <adec:decorative xmlns:adec="http://schemas.microsoft.com/office/drawing/2017/decorative" val="1"/>
+              </a:ext>
+            </a:extLst>
+          </p:cNvPr>
+          <p:cNvSpPr>
+            <a:spLocks noGrp="1" noRot="1" noChangeAspect="1" noMove="1" noResize="1" noEditPoints="1" noAdjustHandles="1" noChangeArrowheads="1" noChangeShapeType="1" noTextEdit="1"/>
+          </p:cNvSpPr>
+          <p:nvPr>
+            <p:extLst>
+              <p:ext uri="{386F3935-93C4-4BCD-93E2-E3B085C9AB24}">
+                <p16:designElem xmlns:p16="http://schemas.microsoft.com/office/powerpoint/2015/main" val="1"/>
+              </p:ext>
+            </p:extLst>
+          </p:nvPr>
+        </p:nvSpPr>
+        <p:spPr>
+          <a:xfrm>
+            <a:off x="0" y="0"/>
+            <a:ext cx="12192000" cy="6858000"/>
+          </a:xfrm>
+          <a:prstGeom prst="rect">
+            <a:avLst/>
+          </a:prstGeom>
+          <a:ln w="12700" cap="flat" cmpd="sng" algn="ctr">
+            <a:noFill/>
+            <a:prstDash val="solid"/>
+            <a:miter lim="800000"/>
+          </a:ln>
+          <a:effectLst/>
+          <a:extLst>
+            <a:ext uri="{91240B29-F687-4F45-9708-019B960494DF}">
+              <a14:hiddenLine xmlns:a14="http://schemas.microsoft.com/office/drawing/2010/main" w="12700" cap="flat" cmpd="sng" algn="ctr">
+                <a:solidFill>
+                  <a:schemeClr val="accent1">
+                    <a:shade val="50000"/>
+                  </a:schemeClr>
+                </a:solidFill>
+                <a:prstDash val="solid"/>
+                <a:miter lim="800000"/>
+              </a14:hiddenLine>
+            </a:ext>
+          </a:extLst>
+        </p:spPr>
+        <p:style>
+          <a:lnRef idx="2">
+            <a:schemeClr val="accent1">
+              <a:shade val="50000"/>
+            </a:schemeClr>
+          </a:lnRef>
+          <a:fillRef idx="1">
+            <a:schemeClr val="accent1"/>
+          </a:fillRef>
+          <a:effectRef idx="0">
+            <a:schemeClr val="accent1"/>
+          </a:effectRef>
+          <a:fontRef idx="minor">
+            <a:schemeClr val="lt1"/>
+          </a:fontRef>
+        </p:style>
+        <p:txBody>
+          <a:bodyPr rtlCol="0" anchor="ctr"/>
+          <a:lstStyle/>
+          <a:p>
+            <a:pPr algn="ctr"/>
+            <a:endParaRPr lang="en-US"/>
+          </a:p>
+        </p:txBody>
+      </p:sp>
+      <p:sp>
+        <p:nvSpPr>
+          <p:cNvPr id="2" name="Title 1">
+            <a:extLst>
+              <a:ext uri="{FF2B5EF4-FFF2-40B4-BE49-F238E27FC236}">
                 <a16:creationId xmlns:a16="http://schemas.microsoft.com/office/drawing/2014/main" id="{8F83889D-D94D-D853-7662-D84B2CC16842}"/>
               </a:ext>
             </a:extLst>
@@ -6169,147 +6483,6 @@
     <p:extLst>
       <p:ext uri="{BB962C8B-B14F-4D97-AF65-F5344CB8AC3E}">
         <p14:creationId xmlns:p14="http://schemas.microsoft.com/office/powerpoint/2010/main" val="808547777"/>
-      </p:ext>
-    </p:extLst>
-  </p:cSld>
-  <p:clrMapOvr>
-    <a:masterClrMapping/>
-  </p:clrMapOvr>
-</p:sld>
-</file>
-
-<file path=ppt/slides/slide7.xml><?xml version="1.0" encoding="utf-8"?>
-<p:sld xmlns:a="http://schemas.openxmlformats.org/drawingml/2006/main" xmlns:r="http://schemas.openxmlformats.org/officeDocument/2006/relationships" xmlns:p="http://schemas.openxmlformats.org/presentationml/2006/main">
-  <p:cSld>
-    <p:spTree>
-      <p:nvGrpSpPr>
-        <p:cNvPr id="1" name=""/>
-        <p:cNvGrpSpPr/>
-        <p:nvPr/>
-      </p:nvGrpSpPr>
-      <p:grpSpPr>
-        <a:xfrm>
-          <a:off x="0" y="0"/>
-          <a:ext cx="0" cy="0"/>
-          <a:chOff x="0" y="0"/>
-          <a:chExt cx="0" cy="0"/>
-        </a:xfrm>
-      </p:grpSpPr>
-      <p:sp>
-        <p:nvSpPr>
-          <p:cNvPr id="2" name="Title 1">
-            <a:extLst>
-              <a:ext uri="{FF2B5EF4-FFF2-40B4-BE49-F238E27FC236}">
-                <a16:creationId xmlns:a16="http://schemas.microsoft.com/office/drawing/2014/main" id="{D2D9E6E8-8595-6DF5-7DD9-6777C53C86B9}"/>
-              </a:ext>
-            </a:extLst>
-          </p:cNvPr>
-          <p:cNvSpPr>
-            <a:spLocks noGrp="1"/>
-          </p:cNvSpPr>
-          <p:nvPr>
-            <p:ph type="title"/>
-          </p:nvPr>
-        </p:nvSpPr>
-        <p:spPr>
-          <a:xfrm>
-            <a:off x="975360" y="192914"/>
-            <a:ext cx="10241280" cy="1234440"/>
-          </a:xfrm>
-        </p:spPr>
-        <p:txBody>
-          <a:bodyPr/>
-          <a:lstStyle/>
-          <a:p>
-            <a:pPr algn="ctr"/>
-            <a:r>
-              <a:rPr lang="en-US" dirty="0"/>
-              <a:t>Additional Libraries </a:t>
-            </a:r>
-          </a:p>
-        </p:txBody>
-      </p:sp>
-      <p:sp>
-        <p:nvSpPr>
-          <p:cNvPr id="3" name="Content Placeholder 2">
-            <a:extLst>
-              <a:ext uri="{FF2B5EF4-FFF2-40B4-BE49-F238E27FC236}">
-                <a16:creationId xmlns:a16="http://schemas.microsoft.com/office/drawing/2014/main" id="{70974CBE-B499-520E-392E-47358CDB79B2}"/>
-              </a:ext>
-            </a:extLst>
-          </p:cNvPr>
-          <p:cNvSpPr>
-            <a:spLocks noGrp="1"/>
-          </p:cNvSpPr>
-          <p:nvPr>
-            <p:ph idx="1"/>
-          </p:nvPr>
-        </p:nvSpPr>
-        <p:spPr>
-          <a:xfrm>
-            <a:off x="975360" y="1672877"/>
-            <a:ext cx="10241280" cy="3959352"/>
-          </a:xfrm>
-        </p:spPr>
-        <p:txBody>
-          <a:bodyPr/>
-          <a:lstStyle/>
-          <a:p>
-            <a:pPr marL="0" indent="0" algn="ctr">
-              <a:buNone/>
-            </a:pPr>
-            <a:endParaRPr lang="en-US" sz="2400" dirty="0"/>
-          </a:p>
-          <a:p>
-            <a:pPr marL="0" indent="0" algn="ctr">
-              <a:buNone/>
-            </a:pPr>
-            <a:r>
-              <a:rPr lang="en-US" sz="2400" b="1" dirty="0"/>
-              <a:t>Openpyxl</a:t>
-            </a:r>
-            <a:r>
-              <a:rPr lang="en-US" sz="2400" dirty="0"/>
-              <a:t> – used perform tasks on excel data.</a:t>
-            </a:r>
-          </a:p>
-          <a:p>
-            <a:pPr marL="0" indent="0" algn="ctr">
-              <a:buNone/>
-            </a:pPr>
-            <a:endParaRPr lang="en-US" sz="2400" dirty="0"/>
-          </a:p>
-          <a:p>
-            <a:pPr marL="0" indent="0" algn="ctr">
-              <a:buNone/>
-            </a:pPr>
-            <a:r>
-              <a:rPr lang="en-US" sz="2400" b="1" dirty="0"/>
-              <a:t>Psycopg2</a:t>
-            </a:r>
-            <a:r>
-              <a:rPr lang="en-US" sz="2400" dirty="0"/>
-              <a:t> – Uses python code to connect to PostgresQL.</a:t>
-            </a:r>
-          </a:p>
-          <a:p>
-            <a:pPr marL="0" indent="0">
-              <a:buNone/>
-            </a:pPr>
-            <a:endParaRPr lang="en-US" dirty="0"/>
-          </a:p>
-          <a:p>
-            <a:pPr marL="0" indent="0">
-              <a:buNone/>
-            </a:pPr>
-            <a:endParaRPr lang="en-US" dirty="0"/>
-          </a:p>
-        </p:txBody>
-      </p:sp>
-    </p:spTree>
-    <p:extLst>
-      <p:ext uri="{BB962C8B-B14F-4D97-AF65-F5344CB8AC3E}">
-        <p14:creationId xmlns:p14="http://schemas.microsoft.com/office/powerpoint/2010/main" val="74529667"/>
       </p:ext>
     </p:extLst>
   </p:cSld>
@@ -6341,7 +6514,7 @@
           <p:cNvPr id="2" name="Title 1">
             <a:extLst>
               <a:ext uri="{FF2B5EF4-FFF2-40B4-BE49-F238E27FC236}">
-                <a16:creationId xmlns:a16="http://schemas.microsoft.com/office/drawing/2014/main" id="{C708A808-27BA-E485-40A6-09BF2AEFA178}"/>
+                <a16:creationId xmlns:a16="http://schemas.microsoft.com/office/drawing/2014/main" id="{D2D9E6E8-8595-6DF5-7DD9-6777C53C86B9}"/>
               </a:ext>
             </a:extLst>
           </p:cNvPr>
@@ -6354,7 +6527,7 @@
         </p:nvSpPr>
         <p:spPr>
           <a:xfrm>
-            <a:off x="975360" y="181038"/>
+            <a:off x="975360" y="192914"/>
             <a:ext cx="10241280" cy="1234440"/>
           </a:xfrm>
         </p:spPr>
@@ -6365,7 +6538,7 @@
             <a:pPr algn="ctr"/>
             <a:r>
               <a:rPr lang="en-US" dirty="0"/>
-              <a:t>Data delivery</a:t>
+              <a:t>Additional Libraries </a:t>
             </a:r>
           </a:p>
         </p:txBody>
@@ -6375,7 +6548,7 @@
           <p:cNvPr id="3" name="Content Placeholder 2">
             <a:extLst>
               <a:ext uri="{FF2B5EF4-FFF2-40B4-BE49-F238E27FC236}">
-                <a16:creationId xmlns:a16="http://schemas.microsoft.com/office/drawing/2014/main" id="{9EC61CCE-665E-9DF9-DA9D-0D4D0A4A01C0}"/>
+                <a16:creationId xmlns:a16="http://schemas.microsoft.com/office/drawing/2014/main" id="{70974CBE-B499-520E-392E-47358CDB79B2}"/>
               </a:ext>
             </a:extLst>
           </p:cNvPr>
@@ -6388,102 +6561,59 @@
         </p:nvSpPr>
         <p:spPr>
           <a:xfrm>
-            <a:off x="975360" y="1840676"/>
-            <a:ext cx="10241280" cy="4219066"/>
-          </a:xfrm>
-        </p:spPr>
-        <p:txBody>
-          <a:bodyPr>
-            <a:normAutofit/>
-          </a:bodyPr>
+            <a:off x="975360" y="1672877"/>
+            <a:ext cx="10241280" cy="3959352"/>
+          </a:xfrm>
+        </p:spPr>
+        <p:txBody>
+          <a:bodyPr/>
           <a:lstStyle/>
           <a:p>
             <a:pPr marL="0" indent="0" algn="ctr">
-              <a:lnSpc>
-                <a:spcPct val="100000"/>
-              </a:lnSpc>
               <a:buNone/>
             </a:pPr>
-            <a:r>
-              <a:rPr lang="en-US" dirty="0"/>
-              <a:t>This project used combined datasets designed in SQL and delivered via </a:t>
-            </a:r>
-            <a:r>
-              <a:rPr lang="en-US" dirty="0" err="1"/>
-              <a:t>SQLalchemy</a:t>
-            </a:r>
-            <a:r>
-              <a:rPr lang="en-US" dirty="0"/>
-              <a:t>, Pandas and Flask showing visualizations that represent our analysis topics.</a:t>
-            </a:r>
+            <a:endParaRPr lang="en-US" sz="2400" dirty="0"/>
           </a:p>
           <a:p>
             <a:pPr marL="0" indent="0" algn="ctr">
-              <a:lnSpc>
-                <a:spcPct val="100000"/>
-              </a:lnSpc>
               <a:buNone/>
             </a:pPr>
-            <a:endParaRPr lang="en-US" sz="1200" kern="100" dirty="0">
-              <a:effectLst/>
-              <a:latin typeface="Calibri" panose="020F0502020204030204" pitchFamily="34" charset="0"/>
-              <a:ea typeface="Calibri" panose="020F0502020204030204" pitchFamily="34" charset="0"/>
-              <a:cs typeface="Times New Roman" panose="02020603050405020304" pitchFamily="18" charset="0"/>
-            </a:endParaRPr>
+            <a:r>
+              <a:rPr lang="en-US" sz="2400" b="1" dirty="0"/>
+              <a:t>Openpyxl</a:t>
+            </a:r>
+            <a:r>
+              <a:rPr lang="en-US" sz="2400" dirty="0"/>
+              <a:t> – used perform tasks on excel data.</a:t>
+            </a:r>
           </a:p>
           <a:p>
             <a:pPr marL="0" indent="0" algn="ctr">
-              <a:lnSpc>
-                <a:spcPct val="100000"/>
-              </a:lnSpc>
               <a:buNone/>
             </a:pPr>
-            <a:r>
-              <a:rPr lang="en-US" sz="2400" kern="100" dirty="0">
-                <a:effectLst/>
-                <a:latin typeface="Calibri" panose="020F0502020204030204" pitchFamily="34" charset="0"/>
-                <a:ea typeface="Calibri" panose="020F0502020204030204" pitchFamily="34" charset="0"/>
-                <a:cs typeface="Times New Roman" panose="02020603050405020304" pitchFamily="18" charset="0"/>
-              </a:rPr>
-              <a:t>Overview: </a:t>
-            </a:r>
-            <a:br>
-              <a:rPr lang="en-US" sz="1800" kern="100" dirty="0">
-                <a:effectLst/>
-                <a:latin typeface="Calibri" panose="020F0502020204030204" pitchFamily="34" charset="0"/>
-                <a:ea typeface="Calibri" panose="020F0502020204030204" pitchFamily="34" charset="0"/>
-                <a:cs typeface="Times New Roman" panose="02020603050405020304" pitchFamily="18" charset="0"/>
-              </a:rPr>
-            </a:br>
-            <a:endParaRPr lang="en-US" sz="1800" kern="100" dirty="0">
-              <a:effectLst/>
-              <a:latin typeface="Calibri" panose="020F0502020204030204" pitchFamily="34" charset="0"/>
-              <a:ea typeface="Calibri" panose="020F0502020204030204" pitchFamily="34" charset="0"/>
-              <a:cs typeface="Times New Roman" panose="02020603050405020304" pitchFamily="18" charset="0"/>
-            </a:endParaRPr>
+            <a:endParaRPr lang="en-US" sz="2400" dirty="0"/>
           </a:p>
           <a:p>
             <a:pPr marL="0" indent="0" algn="ctr">
-              <a:lnSpc>
-                <a:spcPct val="100000"/>
-              </a:lnSpc>
               <a:buNone/>
             </a:pPr>
             <a:r>
-              <a:rPr lang="en-US" kern="100" dirty="0">
-                <a:effectLst/>
-                <a:latin typeface="Calibri" panose="020F0502020204030204" pitchFamily="34" charset="0"/>
-                <a:ea typeface="Calibri" panose="020F0502020204030204" pitchFamily="34" charset="0"/>
-                <a:cs typeface="Times New Roman" panose="02020603050405020304" pitchFamily="18" charset="0"/>
-              </a:rPr>
-              <a:t>Group 3 will be using data sets from the US Centers for Medicare and Medicaid Services and the St. Louis Fred and will look at healthcare consumption by state investigating the correlation between private healthcare usage, income, and region. We will also be taking a deeper dive into healthcare usage to include patient usage of physicians, clinics, and hospitals. State consumption rates can also vary based on time frame and will examine this correlation by investigating two different decades; 2020-2010 and 2010-2020.</a:t>
-            </a:r>
-          </a:p>
-          <a:p>
-            <a:pPr marL="0" indent="0" algn="ctr">
-              <a:lnSpc>
-                <a:spcPct val="100000"/>
-              </a:lnSpc>
+              <a:rPr lang="en-US" sz="2400" b="1" dirty="0"/>
+              <a:t>Psycopg2</a:t>
+            </a:r>
+            <a:r>
+              <a:rPr lang="en-US" sz="2400" dirty="0"/>
+              <a:t> – Uses python code to connect to PostgresQL.</a:t>
+            </a:r>
+          </a:p>
+          <a:p>
+            <a:pPr marL="0" indent="0">
+              <a:buNone/>
+            </a:pPr>
+            <a:endParaRPr lang="en-US" dirty="0"/>
+          </a:p>
+          <a:p>
+            <a:pPr marL="0" indent="0">
               <a:buNone/>
             </a:pPr>
             <a:endParaRPr lang="en-US" dirty="0"/>
@@ -6493,7 +6623,7 @@
     </p:spTree>
     <p:extLst>
       <p:ext uri="{BB962C8B-B14F-4D97-AF65-F5344CB8AC3E}">
-        <p14:creationId xmlns:p14="http://schemas.microsoft.com/office/powerpoint/2010/main" val="2778326272"/>
+        <p14:creationId xmlns:p14="http://schemas.microsoft.com/office/powerpoint/2010/main" val="74529667"/>
       </p:ext>
     </p:extLst>
   </p:cSld>
@@ -6506,14 +6636,6 @@
 <file path=ppt/slides/slide9.xml><?xml version="1.0" encoding="utf-8"?>
 <p:sld xmlns:a="http://schemas.openxmlformats.org/drawingml/2006/main" xmlns:r="http://schemas.openxmlformats.org/officeDocument/2006/relationships" xmlns:p="http://schemas.openxmlformats.org/presentationml/2006/main">
   <p:cSld>
-    <p:bg>
-      <p:bgPr>
-        <a:solidFill>
-          <a:schemeClr val="bg1"/>
-        </a:solidFill>
-        <a:effectLst/>
-      </p:bgPr>
-    </p:bg>
     <p:spTree>
       <p:nvGrpSpPr>
         <p:cNvPr id="1" name=""/>
@@ -6533,7 +6655,7 @@
           <p:cNvPr id="2" name="Title 1">
             <a:extLst>
               <a:ext uri="{FF2B5EF4-FFF2-40B4-BE49-F238E27FC236}">
-                <a16:creationId xmlns:a16="http://schemas.microsoft.com/office/drawing/2014/main" id="{C0DD6619-4B00-79CB-7A56-7C73338E4734}"/>
+                <a16:creationId xmlns:a16="http://schemas.microsoft.com/office/drawing/2014/main" id="{C708A808-27BA-E485-40A6-09BF2AEFA178}"/>
               </a:ext>
             </a:extLst>
           </p:cNvPr>
@@ -6546,30 +6668,28 @@
         </p:nvSpPr>
         <p:spPr>
           <a:xfrm>
-            <a:off x="568280" y="4717774"/>
-            <a:ext cx="6676086" cy="1372775"/>
-          </a:xfrm>
-        </p:spPr>
-        <p:txBody>
-          <a:bodyPr anchor="b">
-            <a:normAutofit/>
-          </a:bodyPr>
-          <a:lstStyle/>
-          <a:p>
-            <a:endParaRPr lang="en-US" dirty="0">
-              <a:solidFill>
-                <a:srgbClr val="FFFFFF"/>
-              </a:solidFill>
-            </a:endParaRPr>
-          </a:p>
-        </p:txBody>
-      </p:sp>
-      <p:sp>
-        <p:nvSpPr>
-          <p:cNvPr id="9" name="Content Placeholder 8">
-            <a:extLst>
-              <a:ext uri="{FF2B5EF4-FFF2-40B4-BE49-F238E27FC236}">
-                <a16:creationId xmlns:a16="http://schemas.microsoft.com/office/drawing/2014/main" id="{FE441EE8-3744-D417-DA68-EB658AF5E08C}"/>
+            <a:off x="975360" y="181038"/>
+            <a:ext cx="10241280" cy="1234440"/>
+          </a:xfrm>
+        </p:spPr>
+        <p:txBody>
+          <a:bodyPr/>
+          <a:lstStyle/>
+          <a:p>
+            <a:pPr algn="ctr"/>
+            <a:r>
+              <a:rPr lang="en-US" dirty="0"/>
+              <a:t>Data delivery</a:t>
+            </a:r>
+          </a:p>
+        </p:txBody>
+      </p:sp>
+      <p:sp>
+        <p:nvSpPr>
+          <p:cNvPr id="3" name="Content Placeholder 2">
+            <a:extLst>
+              <a:ext uri="{FF2B5EF4-FFF2-40B4-BE49-F238E27FC236}">
+                <a16:creationId xmlns:a16="http://schemas.microsoft.com/office/drawing/2014/main" id="{9EC61CCE-665E-9DF9-DA9D-0D4D0A4A01C0}"/>
               </a:ext>
             </a:extLst>
           </p:cNvPr>
@@ -6582,8 +6702,8 @@
         </p:nvSpPr>
         <p:spPr>
           <a:xfrm>
-            <a:off x="10300289" y="333586"/>
-            <a:ext cx="2048540" cy="5742008"/>
+            <a:off x="975360" y="1840676"/>
+            <a:ext cx="10241280" cy="4219066"/>
           </a:xfrm>
         </p:spPr>
         <p:txBody>
@@ -6592,88 +6712,63 @@
           </a:bodyPr>
           <a:lstStyle/>
           <a:p>
+            <a:pPr marL="0" indent="0" algn="ctr">
+              <a:lnSpc>
+                <a:spcPct val="100000"/>
+              </a:lnSpc>
+              <a:buNone/>
+            </a:pPr>
             <a:endParaRPr lang="en-US" dirty="0"/>
           </a:p>
-        </p:txBody>
-      </p:sp>
-      <p:pic>
-        <p:nvPicPr>
-          <p:cNvPr id="4" name="Camera 3">
-            <a:extLst>
-              <a:ext uri="{FF2B5EF4-FFF2-40B4-BE49-F238E27FC236}">
-                <a16:creationId xmlns:a16="http://schemas.microsoft.com/office/drawing/2014/main" id="{AA5A0ED0-9DD6-A71F-4C25-7B256D52A6BC}"/>
-              </a:ext>
-            </a:extLst>
-          </p:cNvPr>
-          <p:cNvPicPr>
-            <a:picLocks noChangeAspect="1"/>
-            <a:extLst>
-              <a:ext uri="{51228E76-BA90-4043-B771-695A4F85340A}">
-                <alf:liveFeedProps xmlns:alf="http://schemas.microsoft.com/office/drawing/2021/livefeed"/>
-              </a:ext>
-            </a:extLst>
-          </p:cNvPicPr>
-          <p:nvPr/>
-        </p:nvPicPr>
-        <p:blipFill rotWithShape="1">
-          <a:blip r:embed="rId2">
-            <a:extLst>
-              <a:ext uri="{96DAC541-7B7A-43D3-8B79-37D633B846F1}">
-                <asvg:svgBlip xmlns:asvg="http://schemas.microsoft.com/office/drawing/2016/SVG/main" r:embed="rId3"/>
-              </a:ext>
-            </a:extLst>
-          </a:blip>
-          <a:srcRect/>
-          <a:stretch/>
-        </p:blipFill>
-        <p:spPr>
-          <a:xfrm>
-            <a:off x="9992868" y="484632"/>
-            <a:ext cx="1714500" cy="1714500"/>
-          </a:xfrm>
-          <a:prstGeom prst="ellipse">
-            <a:avLst/>
-          </a:prstGeom>
-          <a:ln w="19050" cap="rnd">
-            <a:noFill/>
-          </a:ln>
-          <a:effectLst/>
-        </p:spPr>
-      </p:pic>
-      <p:pic>
-        <p:nvPicPr>
-          <p:cNvPr id="12" name="Picture 11">
-            <a:extLst>
-              <a:ext uri="{FF2B5EF4-FFF2-40B4-BE49-F238E27FC236}">
-                <a16:creationId xmlns:a16="http://schemas.microsoft.com/office/drawing/2014/main" id="{21BA3476-A638-5B09-1CD3-259C8A21B202}"/>
-              </a:ext>
-            </a:extLst>
-          </p:cNvPr>
-          <p:cNvPicPr>
-            <a:picLocks noChangeAspect="1"/>
-          </p:cNvPicPr>
-          <p:nvPr/>
-        </p:nvPicPr>
-        <p:blipFill>
-          <a:blip r:embed="rId4"/>
-          <a:stretch>
-            <a:fillRect/>
-          </a:stretch>
-        </p:blipFill>
-        <p:spPr>
-          <a:xfrm>
-            <a:off x="461176" y="304364"/>
-            <a:ext cx="11269648" cy="6249272"/>
-          </a:xfrm>
-          <a:prstGeom prst="rect">
-            <a:avLst/>
-          </a:prstGeom>
-        </p:spPr>
-      </p:pic>
+          <a:p>
+            <a:pPr marL="0" indent="0" algn="ctr">
+              <a:lnSpc>
+                <a:spcPct val="100000"/>
+              </a:lnSpc>
+              <a:buNone/>
+            </a:pPr>
+            <a:r>
+              <a:rPr lang="en-US" dirty="0"/>
+              <a:t>This project used combined datasets designed in SQL and delivered via </a:t>
+            </a:r>
+            <a:r>
+              <a:rPr lang="en-US" dirty="0" err="1"/>
+              <a:t>SQLalchemy</a:t>
+            </a:r>
+            <a:r>
+              <a:rPr lang="en-US" dirty="0"/>
+              <a:t>, Pandas and Flask showing visualizations that represent our analysis topics.</a:t>
+            </a:r>
+          </a:p>
+          <a:p>
+            <a:pPr marL="0" indent="0" algn="ctr">
+              <a:lnSpc>
+                <a:spcPct val="100000"/>
+              </a:lnSpc>
+              <a:buNone/>
+            </a:pPr>
+            <a:endParaRPr lang="en-US" sz="1200" kern="100" dirty="0">
+              <a:effectLst/>
+              <a:latin typeface="Calibri" panose="020F0502020204030204" pitchFamily="34" charset="0"/>
+              <a:ea typeface="Calibri" panose="020F0502020204030204" pitchFamily="34" charset="0"/>
+              <a:cs typeface="Times New Roman" panose="02020603050405020304" pitchFamily="18" charset="0"/>
+            </a:endParaRPr>
+          </a:p>
+          <a:p>
+            <a:pPr marL="0" indent="0" algn="ctr">
+              <a:lnSpc>
+                <a:spcPct val="100000"/>
+              </a:lnSpc>
+              <a:buNone/>
+            </a:pPr>
+            <a:endParaRPr lang="en-US" dirty="0"/>
+          </a:p>
+        </p:txBody>
+      </p:sp>
     </p:spTree>
     <p:extLst>
       <p:ext uri="{BB962C8B-B14F-4D97-AF65-F5344CB8AC3E}">
-        <p14:creationId xmlns:p14="http://schemas.microsoft.com/office/powerpoint/2010/main" val="760509499"/>
+        <p14:creationId xmlns:p14="http://schemas.microsoft.com/office/powerpoint/2010/main" val="2778326272"/>
       </p:ext>
     </p:extLst>
   </p:cSld>

--- a/Background Information/Health_Expenditures.pptx
+++ b/Background Information/Health_Expenditures.pptx
@@ -5217,7 +5217,7 @@
                 <a:ea typeface="Calibri" panose="020F0502020204030204" pitchFamily="34" charset="0"/>
                 <a:cs typeface="Times New Roman" panose="02020603050405020304" pitchFamily="18" charset="0"/>
               </a:rPr>
-              <a:t>Group 3 will be using data sets from the US Centers for Medicare and Medicaid Services and the St. Louis Fred and will look at healthcare consumption by state investigating the correlation between private healthcare usage, income, and region. We will also be taking a deeper dive into healthcare usage to include patient usage of physicians, clinics, and hospitals. State consumption rates can also vary based on time frame and will examine this correlation by investigating two different decades; 2020-2010 and 2010-2020.</a:t>
+              <a:t>Group 3 will be using data sets from the US Centers for Medicare and Medicaid Services and the St. Louis Fred and will look at healthcare consumption by state investigating the correlation between private healthcare usage, income, and region. We will also be taking a deeper dive into healthcare usage to include patient usage of physicians, clinics, and hospitals. State consumption rates can also vary based on time frame and we will examine this correlation between 2010-2020.</a:t>
             </a:r>
           </a:p>
           <a:p>
@@ -5377,29 +5377,8 @@
             </a:pPr>
             <a:r>
               <a:rPr lang="en-US" sz="2400" dirty="0"/>
-              <a:t>The data was fed to a </a:t>
-            </a:r>
-            <a:r>
-              <a:rPr lang="en-US" sz="2400" dirty="0" err="1"/>
-              <a:t>Jupyter</a:t>
-            </a:r>
-            <a:r>
-              <a:rPr lang="en-US" sz="2400" dirty="0"/>
-              <a:t> NB where it was read using the following dependencies to clean the data: requests, pandas, </a:t>
-            </a:r>
-            <a:r>
-              <a:rPr lang="en-US" sz="2400" dirty="0" err="1"/>
-              <a:t>numpy</a:t>
-            </a:r>
-            <a:r>
-              <a:rPr lang="en-US" sz="2400" dirty="0"/>
-              <a:t>, </a:t>
-            </a:r>
-            <a:r>
-              <a:rPr lang="en-US" sz="2400" dirty="0" err="1"/>
-              <a:t>openpyxl</a:t>
-            </a:r>
-            <a:endParaRPr lang="en-US" sz="2400" dirty="0"/>
+              <a:t>The data was fed to a Jupyter NB where it was read using the following dependencies to clean the data: requests, pandas, numpy, openpyxl</a:t>
+            </a:r>
           </a:p>
           <a:p>
             <a:pPr marL="457200" lvl="1" indent="0" algn="ctr">
@@ -5638,15 +5617,7 @@
             </a:pPr>
             <a:r>
               <a:rPr lang="en-US" sz="2800" dirty="0"/>
-              <a:t>Convert </a:t>
-            </a:r>
-            <a:r>
-              <a:rPr lang="en-US" sz="2800" dirty="0" err="1"/>
-              <a:t>xls</a:t>
-            </a:r>
-            <a:r>
-              <a:rPr lang="en-US" sz="2800" dirty="0"/>
-              <a:t> files to csv</a:t>
+              <a:t>Convert xls files to csv</a:t>
             </a:r>
           </a:p>
         </p:txBody>

--- a/Background Information/Health_Expenditures.pptx
+++ b/Background Information/Health_Expenditures.pptx
@@ -18,6 +18,9 @@
     <p:sldId id="265" r:id="rId12"/>
     <p:sldId id="266" r:id="rId13"/>
     <p:sldId id="267" r:id="rId14"/>
+    <p:sldId id="270" r:id="rId15"/>
+    <p:sldId id="271" r:id="rId16"/>
+    <p:sldId id="272" r:id="rId17"/>
   </p:sldIdLst>
   <p:sldSz cx="12192000" cy="6858000"/>
   <p:notesSz cx="6858000" cy="9144000"/>
@@ -4805,6 +4808,308 @@
 </p:sld>
 </file>
 
+<file path=ppt/slides/slide14.xml><?xml version="1.0" encoding="utf-8"?>
+<p:sld xmlns:a="http://schemas.openxmlformats.org/drawingml/2006/main" xmlns:r="http://schemas.openxmlformats.org/officeDocument/2006/relationships" xmlns:p="http://schemas.openxmlformats.org/presentationml/2006/main">
+  <p:cSld>
+    <p:spTree>
+      <p:nvGrpSpPr>
+        <p:cNvPr id="1" name=""/>
+        <p:cNvGrpSpPr/>
+        <p:nvPr/>
+      </p:nvGrpSpPr>
+      <p:grpSpPr>
+        <a:xfrm>
+          <a:off x="0" y="0"/>
+          <a:ext cx="0" cy="0"/>
+          <a:chOff x="0" y="0"/>
+          <a:chExt cx="0" cy="0"/>
+        </a:xfrm>
+      </p:grpSpPr>
+      <p:sp>
+        <p:nvSpPr>
+          <p:cNvPr id="2" name="Title 1">
+            <a:extLst>
+              <a:ext uri="{FF2B5EF4-FFF2-40B4-BE49-F238E27FC236}">
+                <a16:creationId xmlns:a16="http://schemas.microsoft.com/office/drawing/2014/main" id="{8FBF9778-F247-6DF7-EC98-3905EEBDB834}"/>
+              </a:ext>
+            </a:extLst>
+          </p:cNvPr>
+          <p:cNvSpPr>
+            <a:spLocks noGrp="1"/>
+          </p:cNvSpPr>
+          <p:nvPr>
+            <p:ph type="title"/>
+          </p:nvPr>
+        </p:nvSpPr>
+        <p:spPr>
+          <a:xfrm>
+            <a:off x="975360" y="261139"/>
+            <a:ext cx="10241280" cy="795765"/>
+          </a:xfrm>
+        </p:spPr>
+        <p:txBody>
+          <a:bodyPr>
+            <a:normAutofit fontScale="90000"/>
+          </a:bodyPr>
+          <a:lstStyle/>
+          <a:p>
+            <a:pPr algn="ctr"/>
+            <a:r>
+              <a:rPr lang="en-US" dirty="0"/>
+              <a:t>Comparisons</a:t>
+            </a:r>
+            <a:br>
+              <a:rPr lang="en-US" dirty="0"/>
+            </a:br>
+            <a:r>
+              <a:rPr lang="en-US" dirty="0"/>
+              <a:t>Medicare/private/Medicaid</a:t>
+            </a:r>
+          </a:p>
+        </p:txBody>
+      </p:sp>
+      <p:pic>
+        <p:nvPicPr>
+          <p:cNvPr id="8" name="Content Placeholder 7" descr="A close-up of a graph&#10;&#10;Description automatically generated">
+            <a:extLst>
+              <a:ext uri="{FF2B5EF4-FFF2-40B4-BE49-F238E27FC236}">
+                <a16:creationId xmlns:a16="http://schemas.microsoft.com/office/drawing/2014/main" id="{D9DC0228-CAEC-0AE3-6152-FAE0E914B550}"/>
+              </a:ext>
+            </a:extLst>
+          </p:cNvPr>
+          <p:cNvPicPr>
+            <a:picLocks noGrp="1" noChangeAspect="1"/>
+          </p:cNvPicPr>
+          <p:nvPr>
+            <p:ph idx="1"/>
+          </p:nvPr>
+        </p:nvPicPr>
+        <p:blipFill>
+          <a:blip r:embed="rId2"/>
+          <a:stretch>
+            <a:fillRect/>
+          </a:stretch>
+        </p:blipFill>
+        <p:spPr>
+          <a:xfrm>
+            <a:off x="1151802" y="1353424"/>
+            <a:ext cx="9888396" cy="4575888"/>
+          </a:xfrm>
+        </p:spPr>
+      </p:pic>
+    </p:spTree>
+    <p:extLst>
+      <p:ext uri="{BB962C8B-B14F-4D97-AF65-F5344CB8AC3E}">
+        <p14:creationId xmlns:p14="http://schemas.microsoft.com/office/powerpoint/2010/main" val="3551561516"/>
+      </p:ext>
+    </p:extLst>
+  </p:cSld>
+  <p:clrMapOvr>
+    <a:masterClrMapping/>
+  </p:clrMapOvr>
+</p:sld>
+</file>
+
+<file path=ppt/slides/slide15.xml><?xml version="1.0" encoding="utf-8"?>
+<p:sld xmlns:a="http://schemas.openxmlformats.org/drawingml/2006/main" xmlns:r="http://schemas.openxmlformats.org/officeDocument/2006/relationships" xmlns:p="http://schemas.openxmlformats.org/presentationml/2006/main">
+  <p:cSld>
+    <p:spTree>
+      <p:nvGrpSpPr>
+        <p:cNvPr id="1" name=""/>
+        <p:cNvGrpSpPr/>
+        <p:nvPr/>
+      </p:nvGrpSpPr>
+      <p:grpSpPr>
+        <a:xfrm>
+          <a:off x="0" y="0"/>
+          <a:ext cx="0" cy="0"/>
+          <a:chOff x="0" y="0"/>
+          <a:chExt cx="0" cy="0"/>
+        </a:xfrm>
+      </p:grpSpPr>
+      <p:sp>
+        <p:nvSpPr>
+          <p:cNvPr id="2" name="Title 1">
+            <a:extLst>
+              <a:ext uri="{FF2B5EF4-FFF2-40B4-BE49-F238E27FC236}">
+                <a16:creationId xmlns:a16="http://schemas.microsoft.com/office/drawing/2014/main" id="{D8060416-4FCA-79B4-2E0D-8649574ADA15}"/>
+              </a:ext>
+            </a:extLst>
+          </p:cNvPr>
+          <p:cNvSpPr>
+            <a:spLocks noGrp="1"/>
+          </p:cNvSpPr>
+          <p:nvPr>
+            <p:ph type="title"/>
+          </p:nvPr>
+        </p:nvSpPr>
+        <p:spPr>
+          <a:xfrm>
+            <a:off x="975360" y="134777"/>
+            <a:ext cx="10241280" cy="1234440"/>
+          </a:xfrm>
+        </p:spPr>
+        <p:txBody>
+          <a:bodyPr/>
+          <a:lstStyle/>
+          <a:p>
+            <a:pPr algn="ctr"/>
+            <a:r>
+              <a:rPr lang="en-US" dirty="0"/>
+              <a:t>Comparisons</a:t>
+            </a:r>
+            <a:br>
+              <a:rPr lang="en-US" dirty="0"/>
+            </a:br>
+            <a:r>
+              <a:rPr lang="en-US" dirty="0"/>
+              <a:t>Medicare/private/Medicaid</a:t>
+            </a:r>
+          </a:p>
+        </p:txBody>
+      </p:sp>
+      <p:pic>
+        <p:nvPicPr>
+          <p:cNvPr id="5" name="Content Placeholder 4" descr="A screenshot of a graph&#10;&#10;Description automatically generated">
+            <a:extLst>
+              <a:ext uri="{FF2B5EF4-FFF2-40B4-BE49-F238E27FC236}">
+                <a16:creationId xmlns:a16="http://schemas.microsoft.com/office/drawing/2014/main" id="{3A3552BF-F3E1-607A-4EA6-661C47FC5177}"/>
+              </a:ext>
+            </a:extLst>
+          </p:cNvPr>
+          <p:cNvPicPr>
+            <a:picLocks noGrp="1" noChangeAspect="1"/>
+          </p:cNvPicPr>
+          <p:nvPr>
+            <p:ph idx="1"/>
+          </p:nvPr>
+        </p:nvPicPr>
+        <p:blipFill>
+          <a:blip r:embed="rId2"/>
+          <a:stretch>
+            <a:fillRect/>
+          </a:stretch>
+        </p:blipFill>
+        <p:spPr>
+          <a:xfrm>
+            <a:off x="975360" y="1369217"/>
+            <a:ext cx="9929813" cy="4996249"/>
+          </a:xfrm>
+        </p:spPr>
+      </p:pic>
+    </p:spTree>
+    <p:extLst>
+      <p:ext uri="{BB962C8B-B14F-4D97-AF65-F5344CB8AC3E}">
+        <p14:creationId xmlns:p14="http://schemas.microsoft.com/office/powerpoint/2010/main" val="1466117416"/>
+      </p:ext>
+    </p:extLst>
+  </p:cSld>
+  <p:clrMapOvr>
+    <a:masterClrMapping/>
+  </p:clrMapOvr>
+</p:sld>
+</file>
+
+<file path=ppt/slides/slide16.xml><?xml version="1.0" encoding="utf-8"?>
+<p:sld xmlns:a="http://schemas.openxmlformats.org/drawingml/2006/main" xmlns:r="http://schemas.openxmlformats.org/officeDocument/2006/relationships" xmlns:p="http://schemas.openxmlformats.org/presentationml/2006/main">
+  <p:cSld>
+    <p:spTree>
+      <p:nvGrpSpPr>
+        <p:cNvPr id="1" name=""/>
+        <p:cNvGrpSpPr/>
+        <p:nvPr/>
+      </p:nvGrpSpPr>
+      <p:grpSpPr>
+        <a:xfrm>
+          <a:off x="0" y="0"/>
+          <a:ext cx="0" cy="0"/>
+          <a:chOff x="0" y="0"/>
+          <a:chExt cx="0" cy="0"/>
+        </a:xfrm>
+      </p:grpSpPr>
+      <p:sp>
+        <p:nvSpPr>
+          <p:cNvPr id="2" name="Title 1">
+            <a:extLst>
+              <a:ext uri="{FF2B5EF4-FFF2-40B4-BE49-F238E27FC236}">
+                <a16:creationId xmlns:a16="http://schemas.microsoft.com/office/drawing/2014/main" id="{46C87A08-AEDB-BEBF-5660-C1B5945807A3}"/>
+              </a:ext>
+            </a:extLst>
+          </p:cNvPr>
+          <p:cNvSpPr>
+            <a:spLocks noGrp="1"/>
+          </p:cNvSpPr>
+          <p:nvPr>
+            <p:ph type="title"/>
+          </p:nvPr>
+        </p:nvSpPr>
+        <p:spPr>
+          <a:xfrm>
+            <a:off x="975360" y="169164"/>
+            <a:ext cx="10241280" cy="1234440"/>
+          </a:xfrm>
+        </p:spPr>
+        <p:txBody>
+          <a:bodyPr/>
+          <a:lstStyle/>
+          <a:p>
+            <a:pPr algn="ctr"/>
+            <a:r>
+              <a:rPr lang="en-US" dirty="0"/>
+              <a:t>Comparisons</a:t>
+            </a:r>
+            <a:br>
+              <a:rPr lang="en-US" dirty="0"/>
+            </a:br>
+            <a:r>
+              <a:rPr lang="en-US" dirty="0"/>
+              <a:t>Medicare/private/Medicaid</a:t>
+            </a:r>
+          </a:p>
+        </p:txBody>
+      </p:sp>
+      <p:pic>
+        <p:nvPicPr>
+          <p:cNvPr id="5" name="Content Placeholder 4" descr="A close-up of a graph&#10;&#10;Description automatically generated">
+            <a:extLst>
+              <a:ext uri="{FF2B5EF4-FFF2-40B4-BE49-F238E27FC236}">
+                <a16:creationId xmlns:a16="http://schemas.microsoft.com/office/drawing/2014/main" id="{80CEA91D-76A5-8C46-103B-FB1786FBD089}"/>
+              </a:ext>
+            </a:extLst>
+          </p:cNvPr>
+          <p:cNvPicPr>
+            <a:picLocks noGrp="1" noChangeAspect="1"/>
+          </p:cNvPicPr>
+          <p:nvPr>
+            <p:ph idx="1"/>
+          </p:nvPr>
+        </p:nvPicPr>
+        <p:blipFill>
+          <a:blip r:embed="rId2"/>
+          <a:stretch>
+            <a:fillRect/>
+          </a:stretch>
+        </p:blipFill>
+        <p:spPr>
+          <a:xfrm>
+            <a:off x="975360" y="1527177"/>
+            <a:ext cx="10241280" cy="4487862"/>
+          </a:xfrm>
+        </p:spPr>
+      </p:pic>
+    </p:spTree>
+    <p:extLst>
+      <p:ext uri="{BB962C8B-B14F-4D97-AF65-F5344CB8AC3E}">
+        <p14:creationId xmlns:p14="http://schemas.microsoft.com/office/powerpoint/2010/main" val="4059549081"/>
+      </p:ext>
+    </p:extLst>
+  </p:cSld>
+  <p:clrMapOvr>
+    <a:masterClrMapping/>
+  </p:clrMapOvr>
+</p:sld>
+</file>
+
 <file path=ppt/slides/slide2.xml><?xml version="1.0" encoding="utf-8"?>
 <p:sld xmlns:a="http://schemas.openxmlformats.org/drawingml/2006/main" xmlns:r="http://schemas.openxmlformats.org/officeDocument/2006/relationships" xmlns:p="http://schemas.openxmlformats.org/presentationml/2006/main">
   <p:cSld>
